--- a/linux/0.11/绘图.pptx
+++ b/linux/0.11/绘图.pptx
@@ -5,7 +5,7 @@
     <p:sldMasterId id="2147483648" r:id="rId1"/>
   </p:sldMasterIdLst>
   <p:notesMasterIdLst>
-    <p:notesMasterId r:id="rId13"/>
+    <p:notesMasterId r:id="rId14"/>
   </p:notesMasterIdLst>
   <p:sldIdLst>
     <p:sldId id="256" r:id="rId2"/>
@@ -19,6 +19,7 @@
     <p:sldId id="264" r:id="rId10"/>
     <p:sldId id="265" r:id="rId11"/>
     <p:sldId id="266" r:id="rId12"/>
+    <p:sldId id="267" r:id="rId13"/>
   </p:sldIdLst>
   <p:sldSz cx="12192000" cy="6858000"/>
   <p:notesSz cx="6858000" cy="9144000"/>
@@ -207,7 +208,7 @@
           <a:p>
             <a:fld id="{FCB4A6C6-D4FF-46FB-B68A-B4CDAD92E7F2}" type="datetimeFigureOut">
               <a:rPr lang="zh-CN" altLang="en-US" smtClean="0"/>
-              <a:t>2021/9/25</a:t>
+              <a:t>2021/9/26</a:t>
             </a:fld>
             <a:endParaRPr lang="zh-CN" altLang="en-US"/>
           </a:p>
@@ -621,7 +622,7 @@
           <a:p>
             <a:fld id="{4D5C727F-9CFA-4201-8FE6-D45351228B27}" type="datetimeFigureOut">
               <a:rPr lang="zh-CN" altLang="en-US" smtClean="0"/>
-              <a:t>2021/9/25</a:t>
+              <a:t>2021/9/26</a:t>
             </a:fld>
             <a:endParaRPr lang="zh-CN" altLang="en-US"/>
           </a:p>
@@ -819,7 +820,7 @@
           <a:p>
             <a:fld id="{4D5C727F-9CFA-4201-8FE6-D45351228B27}" type="datetimeFigureOut">
               <a:rPr lang="zh-CN" altLang="en-US" smtClean="0"/>
-              <a:t>2021/9/25</a:t>
+              <a:t>2021/9/26</a:t>
             </a:fld>
             <a:endParaRPr lang="zh-CN" altLang="en-US"/>
           </a:p>
@@ -1027,7 +1028,7 @@
           <a:p>
             <a:fld id="{4D5C727F-9CFA-4201-8FE6-D45351228B27}" type="datetimeFigureOut">
               <a:rPr lang="zh-CN" altLang="en-US" smtClean="0"/>
-              <a:t>2021/9/25</a:t>
+              <a:t>2021/9/26</a:t>
             </a:fld>
             <a:endParaRPr lang="zh-CN" altLang="en-US"/>
           </a:p>
@@ -1225,7 +1226,7 @@
           <a:p>
             <a:fld id="{4D5C727F-9CFA-4201-8FE6-D45351228B27}" type="datetimeFigureOut">
               <a:rPr lang="zh-CN" altLang="en-US" smtClean="0"/>
-              <a:t>2021/9/25</a:t>
+              <a:t>2021/9/26</a:t>
             </a:fld>
             <a:endParaRPr lang="zh-CN" altLang="en-US"/>
           </a:p>
@@ -1500,7 +1501,7 @@
           <a:p>
             <a:fld id="{4D5C727F-9CFA-4201-8FE6-D45351228B27}" type="datetimeFigureOut">
               <a:rPr lang="zh-CN" altLang="en-US" smtClean="0"/>
-              <a:t>2021/9/25</a:t>
+              <a:t>2021/9/26</a:t>
             </a:fld>
             <a:endParaRPr lang="zh-CN" altLang="en-US"/>
           </a:p>
@@ -1765,7 +1766,7 @@
           <a:p>
             <a:fld id="{4D5C727F-9CFA-4201-8FE6-D45351228B27}" type="datetimeFigureOut">
               <a:rPr lang="zh-CN" altLang="en-US" smtClean="0"/>
-              <a:t>2021/9/25</a:t>
+              <a:t>2021/9/26</a:t>
             </a:fld>
             <a:endParaRPr lang="zh-CN" altLang="en-US"/>
           </a:p>
@@ -2177,7 +2178,7 @@
           <a:p>
             <a:fld id="{4D5C727F-9CFA-4201-8FE6-D45351228B27}" type="datetimeFigureOut">
               <a:rPr lang="zh-CN" altLang="en-US" smtClean="0"/>
-              <a:t>2021/9/25</a:t>
+              <a:t>2021/9/26</a:t>
             </a:fld>
             <a:endParaRPr lang="zh-CN" altLang="en-US"/>
           </a:p>
@@ -2318,7 +2319,7 @@
           <a:p>
             <a:fld id="{4D5C727F-9CFA-4201-8FE6-D45351228B27}" type="datetimeFigureOut">
               <a:rPr lang="zh-CN" altLang="en-US" smtClean="0"/>
-              <a:t>2021/9/25</a:t>
+              <a:t>2021/9/26</a:t>
             </a:fld>
             <a:endParaRPr lang="zh-CN" altLang="en-US"/>
           </a:p>
@@ -2431,7 +2432,7 @@
           <a:p>
             <a:fld id="{4D5C727F-9CFA-4201-8FE6-D45351228B27}" type="datetimeFigureOut">
               <a:rPr lang="zh-CN" altLang="en-US" smtClean="0"/>
-              <a:t>2021/9/25</a:t>
+              <a:t>2021/9/26</a:t>
             </a:fld>
             <a:endParaRPr lang="zh-CN" altLang="en-US"/>
           </a:p>
@@ -2742,7 +2743,7 @@
           <a:p>
             <a:fld id="{4D5C727F-9CFA-4201-8FE6-D45351228B27}" type="datetimeFigureOut">
               <a:rPr lang="zh-CN" altLang="en-US" smtClean="0"/>
-              <a:t>2021/9/25</a:t>
+              <a:t>2021/9/26</a:t>
             </a:fld>
             <a:endParaRPr lang="zh-CN" altLang="en-US"/>
           </a:p>
@@ -3030,7 +3031,7 @@
           <a:p>
             <a:fld id="{4D5C727F-9CFA-4201-8FE6-D45351228B27}" type="datetimeFigureOut">
               <a:rPr lang="zh-CN" altLang="en-US" smtClean="0"/>
-              <a:t>2021/9/25</a:t>
+              <a:t>2021/9/26</a:t>
             </a:fld>
             <a:endParaRPr lang="zh-CN" altLang="en-US"/>
           </a:p>
@@ -3271,7 +3272,7 @@
           <a:p>
             <a:fld id="{4D5C727F-9CFA-4201-8FE6-D45351228B27}" type="datetimeFigureOut">
               <a:rPr lang="zh-CN" altLang="en-US" smtClean="0"/>
-              <a:t>2021/9/25</a:t>
+              <a:t>2021/9/26</a:t>
             </a:fld>
             <a:endParaRPr lang="zh-CN" altLang="en-US"/>
           </a:p>
@@ -11362,7 +11363,7 @@
         </p:nvSpPr>
         <p:spPr>
           <a:xfrm>
-            <a:off x="5381502" y="5659502"/>
+            <a:off x="5399234" y="6325328"/>
             <a:ext cx="1572868" cy="369332"/>
           </a:xfrm>
           <a:prstGeom prst="rect">
@@ -11403,7 +11404,7 @@
         </p:nvSpPr>
         <p:spPr>
           <a:xfrm rot="5400000">
-            <a:off x="6130304" y="2207782"/>
+            <a:off x="6083772" y="2795324"/>
             <a:ext cx="231320" cy="6664025"/>
           </a:xfrm>
           <a:prstGeom prst="rightBrace">
@@ -11448,13 +11449,14 @@
           <p:cNvCxnSpPr>
             <a:cxnSpLocks/>
             <a:stCxn id="165" idx="3"/>
+            <a:endCxn id="173" idx="1"/>
           </p:cNvCxnSpPr>
           <p:nvPr/>
         </p:nvCxnSpPr>
         <p:spPr>
-          <a:xfrm flipV="1">
-            <a:off x="3641997" y="4281135"/>
-            <a:ext cx="792311" cy="571500"/>
+          <a:xfrm>
+            <a:off x="3641997" y="4852635"/>
+            <a:ext cx="827101" cy="12700"/>
           </a:xfrm>
           <a:prstGeom prst="bentConnector3">
             <a:avLst>
@@ -11492,13 +11494,14 @@
           <p:cNvCxnSpPr>
             <a:cxnSpLocks/>
             <a:stCxn id="173" idx="3"/>
+            <a:endCxn id="181" idx="1"/>
           </p:cNvCxnSpPr>
           <p:nvPr/>
         </p:nvCxnSpPr>
         <p:spPr>
-          <a:xfrm flipV="1">
-            <a:off x="5772118" y="4281135"/>
-            <a:ext cx="827100" cy="571500"/>
+          <a:xfrm>
+            <a:off x="5772118" y="4852635"/>
+            <a:ext cx="827101" cy="12700"/>
           </a:xfrm>
           <a:prstGeom prst="bentConnector3">
             <a:avLst>
@@ -11536,13 +11539,14 @@
           <p:cNvCxnSpPr>
             <a:cxnSpLocks/>
             <a:stCxn id="181" idx="3"/>
+            <a:endCxn id="188" idx="1"/>
           </p:cNvCxnSpPr>
           <p:nvPr/>
         </p:nvCxnSpPr>
         <p:spPr>
-          <a:xfrm flipV="1">
-            <a:off x="7902239" y="4281135"/>
-            <a:ext cx="827099" cy="571500"/>
+          <a:xfrm>
+            <a:off x="7902239" y="4852635"/>
+            <a:ext cx="827101" cy="12700"/>
           </a:xfrm>
           <a:prstGeom prst="bentConnector3">
             <a:avLst>
@@ -11578,20 +11582,20 @@
             </a:extLst>
           </p:cNvPr>
           <p:cNvCxnSpPr>
-            <a:stCxn id="188" idx="1"/>
-            <a:endCxn id="181" idx="2"/>
+            <a:cxnSpLocks/>
+            <a:stCxn id="186" idx="1"/>
+            <a:endCxn id="178" idx="3"/>
           </p:cNvCxnSpPr>
           <p:nvPr/>
         </p:nvCxnSpPr>
         <p:spPr>
-          <a:xfrm rot="10800000" flipV="1">
-            <a:off x="7250730" y="4852635"/>
-            <a:ext cx="1478611" cy="198120"/>
-          </a:xfrm>
-          <a:prstGeom prst="bentConnector4">
+          <a:xfrm rot="10800000">
+            <a:off x="7902240" y="4479255"/>
+            <a:ext cx="827101" cy="12700"/>
+          </a:xfrm>
+          <a:prstGeom prst="bentConnector3">
             <a:avLst>
-              <a:gd name="adj1" fmla="val 10447"/>
-              <a:gd name="adj2" fmla="val 215385"/>
+              <a:gd name="adj1" fmla="val 50000"/>
             </a:avLst>
           </a:prstGeom>
           <a:ln>
@@ -11623,20 +11627,20 @@
             </a:extLst>
           </p:cNvPr>
           <p:cNvCxnSpPr>
-            <a:stCxn id="181" idx="1"/>
-            <a:endCxn id="173" idx="2"/>
+            <a:cxnSpLocks/>
+            <a:stCxn id="178" idx="1"/>
+            <a:endCxn id="172" idx="3"/>
           </p:cNvCxnSpPr>
           <p:nvPr/>
         </p:nvCxnSpPr>
         <p:spPr>
-          <a:xfrm rot="10800000" flipV="1">
-            <a:off x="5120609" y="4852635"/>
-            <a:ext cx="1478611" cy="198120"/>
-          </a:xfrm>
-          <a:prstGeom prst="bentConnector4">
+          <a:xfrm rot="10800000">
+            <a:off x="5772119" y="4479255"/>
+            <a:ext cx="827101" cy="12700"/>
+          </a:xfrm>
+          <a:prstGeom prst="bentConnector3">
             <a:avLst>
-              <a:gd name="adj1" fmla="val 14055"/>
-              <a:gd name="adj2" fmla="val 215385"/>
+              <a:gd name="adj1" fmla="val 50000"/>
             </a:avLst>
           </a:prstGeom>
           <a:ln>
@@ -11668,20 +11672,20 @@
             </a:extLst>
           </p:cNvPr>
           <p:cNvCxnSpPr>
-            <a:stCxn id="173" idx="1"/>
-            <a:endCxn id="165" idx="2"/>
+            <a:cxnSpLocks/>
+            <a:stCxn id="172" idx="1"/>
+            <a:endCxn id="140" idx="3"/>
           </p:cNvCxnSpPr>
           <p:nvPr/>
         </p:nvCxnSpPr>
         <p:spPr>
-          <a:xfrm rot="10800000" flipV="1">
-            <a:off x="2990488" y="4852635"/>
-            <a:ext cx="1478611" cy="198120"/>
-          </a:xfrm>
-          <a:prstGeom prst="bentConnector4">
+          <a:xfrm rot="10800000">
+            <a:off x="3641998" y="4479255"/>
+            <a:ext cx="827101" cy="12700"/>
+          </a:xfrm>
+          <a:prstGeom prst="bentConnector3">
             <a:avLst>
-              <a:gd name="adj1" fmla="val 13539"/>
-              <a:gd name="adj2" fmla="val 215385"/>
+              <a:gd name="adj1" fmla="val 50000"/>
             </a:avLst>
           </a:prstGeom>
           <a:ln>
@@ -11965,10 +11969,1665 @@
           </a:fontRef>
         </p:style>
       </p:cxnSp>
+      <p:cxnSp>
+        <p:nvCxnSpPr>
+          <p:cNvPr id="4" name="连接符: 肘形 3">
+            <a:extLst>
+              <a:ext uri="{FF2B5EF4-FFF2-40B4-BE49-F238E27FC236}">
+                <a16:creationId xmlns:a16="http://schemas.microsoft.com/office/drawing/2014/main" id="{6B7BAA9C-B8AC-4436-8FB5-1CF120C18C04}"/>
+              </a:ext>
+            </a:extLst>
+          </p:cNvPr>
+          <p:cNvCxnSpPr>
+            <a:stCxn id="188" idx="3"/>
+            <a:endCxn id="165" idx="1"/>
+          </p:cNvCxnSpPr>
+          <p:nvPr/>
+        </p:nvCxnSpPr>
+        <p:spPr>
+          <a:xfrm flipH="1">
+            <a:off x="2338977" y="4852635"/>
+            <a:ext cx="7693383" cy="12700"/>
+          </a:xfrm>
+          <a:prstGeom prst="bentConnector5">
+            <a:avLst>
+              <a:gd name="adj1" fmla="val -2971"/>
+              <a:gd name="adj2" fmla="val 3709520"/>
+              <a:gd name="adj3" fmla="val 102971"/>
+            </a:avLst>
+          </a:prstGeom>
+          <a:ln>
+            <a:tailEnd type="triangle"/>
+          </a:ln>
+        </p:spPr>
+        <p:style>
+          <a:lnRef idx="1">
+            <a:schemeClr val="accent1"/>
+          </a:lnRef>
+          <a:fillRef idx="0">
+            <a:schemeClr val="accent1"/>
+          </a:fillRef>
+          <a:effectRef idx="0">
+            <a:schemeClr val="accent1"/>
+          </a:effectRef>
+          <a:fontRef idx="minor">
+            <a:schemeClr val="tx1"/>
+          </a:fontRef>
+        </p:style>
+      </p:cxnSp>
+      <p:cxnSp>
+        <p:nvCxnSpPr>
+          <p:cNvPr id="8" name="连接符: 肘形 7">
+            <a:extLst>
+              <a:ext uri="{FF2B5EF4-FFF2-40B4-BE49-F238E27FC236}">
+                <a16:creationId xmlns:a16="http://schemas.microsoft.com/office/drawing/2014/main" id="{93DA417C-4820-41F3-BD29-279E38AD44C1}"/>
+              </a:ext>
+            </a:extLst>
+          </p:cNvPr>
+          <p:cNvCxnSpPr>
+            <a:stCxn id="140" idx="1"/>
+            <a:endCxn id="186" idx="3"/>
+          </p:cNvCxnSpPr>
+          <p:nvPr/>
+        </p:nvCxnSpPr>
+        <p:spPr>
+          <a:xfrm rot="10800000" flipH="1">
+            <a:off x="2338976" y="4479255"/>
+            <a:ext cx="7693383" cy="12700"/>
+          </a:xfrm>
+          <a:prstGeom prst="bentConnector5">
+            <a:avLst>
+              <a:gd name="adj1" fmla="val -8856"/>
+              <a:gd name="adj2" fmla="val -9082709"/>
+              <a:gd name="adj3" fmla="val 107818"/>
+            </a:avLst>
+          </a:prstGeom>
+          <a:ln>
+            <a:tailEnd type="triangle"/>
+          </a:ln>
+        </p:spPr>
+        <p:style>
+          <a:lnRef idx="1">
+            <a:schemeClr val="accent1"/>
+          </a:lnRef>
+          <a:fillRef idx="0">
+            <a:schemeClr val="accent1"/>
+          </a:fillRef>
+          <a:effectRef idx="0">
+            <a:schemeClr val="accent1"/>
+          </a:effectRef>
+          <a:fontRef idx="minor">
+            <a:schemeClr val="tx1"/>
+          </a:fontRef>
+        </p:style>
+      </p:cxnSp>
     </p:spTree>
     <p:extLst>
       <p:ext uri="{BB962C8B-B14F-4D97-AF65-F5344CB8AC3E}">
         <p14:creationId xmlns:p14="http://schemas.microsoft.com/office/powerpoint/2010/main" val="1169479754"/>
+      </p:ext>
+    </p:extLst>
+  </p:cSld>
+  <p:clrMapOvr>
+    <a:masterClrMapping/>
+  </p:clrMapOvr>
+</p:sld>
+</file>
+
+<file path=ppt/slides/slide12.xml><?xml version="1.0" encoding="utf-8"?>
+<p:sld xmlns:a="http://schemas.openxmlformats.org/drawingml/2006/main" xmlns:r="http://schemas.openxmlformats.org/officeDocument/2006/relationships" xmlns:p="http://schemas.openxmlformats.org/presentationml/2006/main">
+  <p:cSld>
+    <p:spTree>
+      <p:nvGrpSpPr>
+        <p:cNvPr id="1" name=""/>
+        <p:cNvGrpSpPr/>
+        <p:nvPr/>
+      </p:nvGrpSpPr>
+      <p:grpSpPr>
+        <a:xfrm>
+          <a:off x="0" y="0"/>
+          <a:ext cx="0" cy="0"/>
+          <a:chOff x="0" y="0"/>
+          <a:chExt cx="0" cy="0"/>
+        </a:xfrm>
+      </p:grpSpPr>
+      <p:sp>
+        <p:nvSpPr>
+          <p:cNvPr id="2" name="矩形 1">
+            <a:extLst>
+              <a:ext uri="{FF2B5EF4-FFF2-40B4-BE49-F238E27FC236}">
+                <a16:creationId xmlns:a16="http://schemas.microsoft.com/office/drawing/2014/main" id="{85F36496-0C01-40C8-8E36-5B25536F207F}"/>
+              </a:ext>
+            </a:extLst>
+          </p:cNvPr>
+          <p:cNvSpPr/>
+          <p:nvPr/>
+        </p:nvSpPr>
+        <p:spPr>
+          <a:xfrm>
+            <a:off x="825622" y="863353"/>
+            <a:ext cx="6942879" cy="923278"/>
+          </a:xfrm>
+          <a:prstGeom prst="rect">
+            <a:avLst/>
+          </a:prstGeom>
+        </p:spPr>
+        <p:style>
+          <a:lnRef idx="2">
+            <a:schemeClr val="accent2">
+              <a:shade val="50000"/>
+            </a:schemeClr>
+          </a:lnRef>
+          <a:fillRef idx="1">
+            <a:schemeClr val="accent2"/>
+          </a:fillRef>
+          <a:effectRef idx="0">
+            <a:schemeClr val="accent2"/>
+          </a:effectRef>
+          <a:fontRef idx="minor">
+            <a:schemeClr val="lt1"/>
+          </a:fontRef>
+        </p:style>
+        <p:txBody>
+          <a:bodyPr rtlCol="0" anchor="ctr"/>
+          <a:lstStyle/>
+          <a:p>
+            <a:pPr algn="ctr"/>
+            <a:r>
+              <a:rPr lang="en-US" altLang="zh-CN"/>
+              <a:t>446</a:t>
+            </a:r>
+            <a:r>
+              <a:rPr lang="zh-CN" altLang="en-US"/>
+              <a:t>字节的引导代码</a:t>
+            </a:r>
+          </a:p>
+        </p:txBody>
+      </p:sp>
+      <p:sp>
+        <p:nvSpPr>
+          <p:cNvPr id="52" name="矩形 51">
+            <a:extLst>
+              <a:ext uri="{FF2B5EF4-FFF2-40B4-BE49-F238E27FC236}">
+                <a16:creationId xmlns:a16="http://schemas.microsoft.com/office/drawing/2014/main" id="{511B4DE3-A2E9-444E-A880-492DA7B4901A}"/>
+              </a:ext>
+            </a:extLst>
+          </p:cNvPr>
+          <p:cNvSpPr/>
+          <p:nvPr/>
+        </p:nvSpPr>
+        <p:spPr>
+          <a:xfrm>
+            <a:off x="7768501" y="863353"/>
+            <a:ext cx="2324335" cy="923278"/>
+          </a:xfrm>
+          <a:prstGeom prst="rect">
+            <a:avLst/>
+          </a:prstGeom>
+        </p:spPr>
+        <p:style>
+          <a:lnRef idx="2">
+            <a:schemeClr val="accent2">
+              <a:shade val="50000"/>
+            </a:schemeClr>
+          </a:lnRef>
+          <a:fillRef idx="1">
+            <a:schemeClr val="accent2"/>
+          </a:fillRef>
+          <a:effectRef idx="0">
+            <a:schemeClr val="accent2"/>
+          </a:effectRef>
+          <a:fontRef idx="minor">
+            <a:schemeClr val="lt1"/>
+          </a:fontRef>
+        </p:style>
+        <p:txBody>
+          <a:bodyPr rtlCol="0" anchor="ctr"/>
+          <a:lstStyle/>
+          <a:p>
+            <a:pPr algn="ctr"/>
+            <a:r>
+              <a:rPr lang="en-US" altLang="zh-CN"/>
+              <a:t>64</a:t>
+            </a:r>
+            <a:r>
+              <a:rPr lang="zh-CN" altLang="en-US"/>
+              <a:t>字节分区表</a:t>
+            </a:r>
+          </a:p>
+        </p:txBody>
+      </p:sp>
+      <p:sp>
+        <p:nvSpPr>
+          <p:cNvPr id="53" name="矩形 52">
+            <a:extLst>
+              <a:ext uri="{FF2B5EF4-FFF2-40B4-BE49-F238E27FC236}">
+                <a16:creationId xmlns:a16="http://schemas.microsoft.com/office/drawing/2014/main" id="{9E2ED120-30CD-4D63-9BCA-F057C9F40717}"/>
+              </a:ext>
+            </a:extLst>
+          </p:cNvPr>
+          <p:cNvSpPr/>
+          <p:nvPr/>
+        </p:nvSpPr>
+        <p:spPr>
+          <a:xfrm>
+            <a:off x="10092836" y="863353"/>
+            <a:ext cx="776392" cy="923278"/>
+          </a:xfrm>
+          <a:prstGeom prst="rect">
+            <a:avLst/>
+          </a:prstGeom>
+        </p:spPr>
+        <p:style>
+          <a:lnRef idx="2">
+            <a:schemeClr val="accent2">
+              <a:shade val="50000"/>
+            </a:schemeClr>
+          </a:lnRef>
+          <a:fillRef idx="1">
+            <a:schemeClr val="accent2"/>
+          </a:fillRef>
+          <a:effectRef idx="0">
+            <a:schemeClr val="accent2"/>
+          </a:effectRef>
+          <a:fontRef idx="minor">
+            <a:schemeClr val="lt1"/>
+          </a:fontRef>
+        </p:style>
+        <p:txBody>
+          <a:bodyPr rtlCol="0" anchor="ctr"/>
+          <a:lstStyle/>
+          <a:p>
+            <a:pPr algn="ctr"/>
+            <a:r>
+              <a:rPr lang="en-US" altLang="zh-CN"/>
+              <a:t>55AA</a:t>
+            </a:r>
+            <a:endParaRPr lang="zh-CN" altLang="en-US"/>
+          </a:p>
+        </p:txBody>
+      </p:sp>
+      <p:sp>
+        <p:nvSpPr>
+          <p:cNvPr id="5" name="文本框 4">
+            <a:extLst>
+              <a:ext uri="{FF2B5EF4-FFF2-40B4-BE49-F238E27FC236}">
+                <a16:creationId xmlns:a16="http://schemas.microsoft.com/office/drawing/2014/main" id="{E9042CEB-B1F4-4B44-9B54-64863F461C25}"/>
+              </a:ext>
+            </a:extLst>
+          </p:cNvPr>
+          <p:cNvSpPr txBox="1"/>
+          <p:nvPr/>
+        </p:nvSpPr>
+        <p:spPr>
+          <a:xfrm>
+            <a:off x="5483440" y="319595"/>
+            <a:ext cx="727969" cy="381740"/>
+          </a:xfrm>
+          <a:prstGeom prst="rect">
+            <a:avLst/>
+          </a:prstGeom>
+          <a:noFill/>
+        </p:spPr>
+        <p:txBody>
+          <a:bodyPr wrap="square" rtlCol="0">
+            <a:spAutoFit/>
+          </a:bodyPr>
+          <a:lstStyle/>
+          <a:p>
+            <a:r>
+              <a:rPr lang="en-US" altLang="zh-CN"/>
+              <a:t>MBR</a:t>
+            </a:r>
+            <a:endParaRPr lang="zh-CN" altLang="en-US"/>
+          </a:p>
+        </p:txBody>
+      </p:sp>
+      <p:sp>
+        <p:nvSpPr>
+          <p:cNvPr id="7" name="矩形 6">
+            <a:extLst>
+              <a:ext uri="{FF2B5EF4-FFF2-40B4-BE49-F238E27FC236}">
+                <a16:creationId xmlns:a16="http://schemas.microsoft.com/office/drawing/2014/main" id="{FD172622-887C-403A-8D09-67BEF9DE7C3A}"/>
+              </a:ext>
+            </a:extLst>
+          </p:cNvPr>
+          <p:cNvSpPr/>
+          <p:nvPr/>
+        </p:nvSpPr>
+        <p:spPr>
+          <a:xfrm>
+            <a:off x="1970841" y="3222595"/>
+            <a:ext cx="1988599" cy="923278"/>
+          </a:xfrm>
+          <a:prstGeom prst="rect">
+            <a:avLst/>
+          </a:prstGeom>
+        </p:spPr>
+        <p:style>
+          <a:lnRef idx="2">
+            <a:schemeClr val="accent6">
+              <a:shade val="50000"/>
+            </a:schemeClr>
+          </a:lnRef>
+          <a:fillRef idx="1">
+            <a:schemeClr val="accent6"/>
+          </a:fillRef>
+          <a:effectRef idx="0">
+            <a:schemeClr val="accent6"/>
+          </a:effectRef>
+          <a:fontRef idx="minor">
+            <a:schemeClr val="lt1"/>
+          </a:fontRef>
+        </p:style>
+        <p:txBody>
+          <a:bodyPr rtlCol="0" anchor="ctr"/>
+          <a:lstStyle/>
+          <a:p>
+            <a:pPr algn="ctr"/>
+            <a:r>
+              <a:rPr lang="zh-CN" altLang="en-US"/>
+              <a:t>分区表项</a:t>
+            </a:r>
+            <a:r>
+              <a:rPr lang="en-US" altLang="zh-CN"/>
+              <a:t>1</a:t>
+            </a:r>
+            <a:endParaRPr lang="zh-CN" altLang="en-US"/>
+          </a:p>
+        </p:txBody>
+      </p:sp>
+      <p:sp>
+        <p:nvSpPr>
+          <p:cNvPr id="56" name="矩形 55">
+            <a:extLst>
+              <a:ext uri="{FF2B5EF4-FFF2-40B4-BE49-F238E27FC236}">
+                <a16:creationId xmlns:a16="http://schemas.microsoft.com/office/drawing/2014/main" id="{2C28314B-7029-467B-A7DA-951A8886EF11}"/>
+              </a:ext>
+            </a:extLst>
+          </p:cNvPr>
+          <p:cNvSpPr/>
+          <p:nvPr/>
+        </p:nvSpPr>
+        <p:spPr>
+          <a:xfrm>
+            <a:off x="3959440" y="3222595"/>
+            <a:ext cx="1988599" cy="923278"/>
+          </a:xfrm>
+          <a:prstGeom prst="rect">
+            <a:avLst/>
+          </a:prstGeom>
+        </p:spPr>
+        <p:style>
+          <a:lnRef idx="2">
+            <a:schemeClr val="accent6">
+              <a:shade val="50000"/>
+            </a:schemeClr>
+          </a:lnRef>
+          <a:fillRef idx="1">
+            <a:schemeClr val="accent6"/>
+          </a:fillRef>
+          <a:effectRef idx="0">
+            <a:schemeClr val="accent6"/>
+          </a:effectRef>
+          <a:fontRef idx="minor">
+            <a:schemeClr val="lt1"/>
+          </a:fontRef>
+        </p:style>
+        <p:txBody>
+          <a:bodyPr rtlCol="0" anchor="ctr"/>
+          <a:lstStyle/>
+          <a:p>
+            <a:pPr algn="ctr"/>
+            <a:r>
+              <a:rPr lang="zh-CN" altLang="en-US"/>
+              <a:t>分区表项</a:t>
+            </a:r>
+            <a:r>
+              <a:rPr lang="en-US" altLang="zh-CN"/>
+              <a:t>2</a:t>
+            </a:r>
+            <a:endParaRPr lang="zh-CN" altLang="en-US"/>
+          </a:p>
+        </p:txBody>
+      </p:sp>
+      <p:sp>
+        <p:nvSpPr>
+          <p:cNvPr id="57" name="矩形 56">
+            <a:extLst>
+              <a:ext uri="{FF2B5EF4-FFF2-40B4-BE49-F238E27FC236}">
+                <a16:creationId xmlns:a16="http://schemas.microsoft.com/office/drawing/2014/main" id="{FD80E06D-648F-49E9-837D-74B79F1E775F}"/>
+              </a:ext>
+            </a:extLst>
+          </p:cNvPr>
+          <p:cNvSpPr/>
+          <p:nvPr/>
+        </p:nvSpPr>
+        <p:spPr>
+          <a:xfrm>
+            <a:off x="5948039" y="3222595"/>
+            <a:ext cx="1988599" cy="923278"/>
+          </a:xfrm>
+          <a:prstGeom prst="rect">
+            <a:avLst/>
+          </a:prstGeom>
+        </p:spPr>
+        <p:style>
+          <a:lnRef idx="2">
+            <a:schemeClr val="accent6">
+              <a:shade val="50000"/>
+            </a:schemeClr>
+          </a:lnRef>
+          <a:fillRef idx="1">
+            <a:schemeClr val="accent6"/>
+          </a:fillRef>
+          <a:effectRef idx="0">
+            <a:schemeClr val="accent6"/>
+          </a:effectRef>
+          <a:fontRef idx="minor">
+            <a:schemeClr val="lt1"/>
+          </a:fontRef>
+        </p:style>
+        <p:txBody>
+          <a:bodyPr rtlCol="0" anchor="ctr"/>
+          <a:lstStyle/>
+          <a:p>
+            <a:pPr algn="ctr"/>
+            <a:r>
+              <a:rPr lang="zh-CN" altLang="en-US"/>
+              <a:t>分区表项</a:t>
+            </a:r>
+            <a:r>
+              <a:rPr lang="en-US" altLang="zh-CN"/>
+              <a:t>3</a:t>
+            </a:r>
+            <a:endParaRPr lang="zh-CN" altLang="en-US"/>
+          </a:p>
+        </p:txBody>
+      </p:sp>
+      <p:sp>
+        <p:nvSpPr>
+          <p:cNvPr id="58" name="矩形 57">
+            <a:extLst>
+              <a:ext uri="{FF2B5EF4-FFF2-40B4-BE49-F238E27FC236}">
+                <a16:creationId xmlns:a16="http://schemas.microsoft.com/office/drawing/2014/main" id="{4EFD3309-535C-4022-8693-4EC988AE7EEC}"/>
+              </a:ext>
+            </a:extLst>
+          </p:cNvPr>
+          <p:cNvSpPr/>
+          <p:nvPr/>
+        </p:nvSpPr>
+        <p:spPr>
+          <a:xfrm>
+            <a:off x="7936638" y="3222595"/>
+            <a:ext cx="1988599" cy="923278"/>
+          </a:xfrm>
+          <a:prstGeom prst="rect">
+            <a:avLst/>
+          </a:prstGeom>
+        </p:spPr>
+        <p:style>
+          <a:lnRef idx="2">
+            <a:schemeClr val="accent6">
+              <a:shade val="50000"/>
+            </a:schemeClr>
+          </a:lnRef>
+          <a:fillRef idx="1">
+            <a:schemeClr val="accent6"/>
+          </a:fillRef>
+          <a:effectRef idx="0">
+            <a:schemeClr val="accent6"/>
+          </a:effectRef>
+          <a:fontRef idx="minor">
+            <a:schemeClr val="lt1"/>
+          </a:fontRef>
+        </p:style>
+        <p:txBody>
+          <a:bodyPr rtlCol="0" anchor="ctr"/>
+          <a:lstStyle/>
+          <a:p>
+            <a:pPr algn="ctr"/>
+            <a:r>
+              <a:rPr lang="zh-CN" altLang="en-US"/>
+              <a:t>分区表项</a:t>
+            </a:r>
+            <a:r>
+              <a:rPr lang="en-US" altLang="zh-CN"/>
+              <a:t>4</a:t>
+            </a:r>
+            <a:endParaRPr lang="zh-CN" altLang="en-US"/>
+          </a:p>
+        </p:txBody>
+      </p:sp>
+      <p:cxnSp>
+        <p:nvCxnSpPr>
+          <p:cNvPr id="10" name="直接连接符 9">
+            <a:extLst>
+              <a:ext uri="{FF2B5EF4-FFF2-40B4-BE49-F238E27FC236}">
+                <a16:creationId xmlns:a16="http://schemas.microsoft.com/office/drawing/2014/main" id="{96F6E662-6D71-4285-9951-7CDEE604458B}"/>
+              </a:ext>
+            </a:extLst>
+          </p:cNvPr>
+          <p:cNvCxnSpPr/>
+          <p:nvPr/>
+        </p:nvCxnSpPr>
+        <p:spPr>
+          <a:xfrm flipV="1">
+            <a:off x="1970841" y="1786631"/>
+            <a:ext cx="5797660" cy="1435964"/>
+          </a:xfrm>
+          <a:prstGeom prst="line">
+            <a:avLst/>
+          </a:prstGeom>
+        </p:spPr>
+        <p:style>
+          <a:lnRef idx="1">
+            <a:schemeClr val="accent1"/>
+          </a:lnRef>
+          <a:fillRef idx="0">
+            <a:schemeClr val="accent1"/>
+          </a:fillRef>
+          <a:effectRef idx="0">
+            <a:schemeClr val="accent1"/>
+          </a:effectRef>
+          <a:fontRef idx="minor">
+            <a:schemeClr val="tx1"/>
+          </a:fontRef>
+        </p:style>
+      </p:cxnSp>
+      <p:cxnSp>
+        <p:nvCxnSpPr>
+          <p:cNvPr id="61" name="直接连接符 60">
+            <a:extLst>
+              <a:ext uri="{FF2B5EF4-FFF2-40B4-BE49-F238E27FC236}">
+                <a16:creationId xmlns:a16="http://schemas.microsoft.com/office/drawing/2014/main" id="{03DE9003-C23D-4310-8631-666B369696AF}"/>
+              </a:ext>
+            </a:extLst>
+          </p:cNvPr>
+          <p:cNvCxnSpPr>
+            <a:cxnSpLocks/>
+          </p:cNvCxnSpPr>
+          <p:nvPr/>
+        </p:nvCxnSpPr>
+        <p:spPr>
+          <a:xfrm flipV="1">
+            <a:off x="9925237" y="1786631"/>
+            <a:ext cx="167599" cy="1435964"/>
+          </a:xfrm>
+          <a:prstGeom prst="line">
+            <a:avLst/>
+          </a:prstGeom>
+        </p:spPr>
+        <p:style>
+          <a:lnRef idx="1">
+            <a:schemeClr val="accent1"/>
+          </a:lnRef>
+          <a:fillRef idx="0">
+            <a:schemeClr val="accent1"/>
+          </a:fillRef>
+          <a:effectRef idx="0">
+            <a:schemeClr val="accent1"/>
+          </a:effectRef>
+          <a:fontRef idx="minor">
+            <a:schemeClr val="tx1"/>
+          </a:fontRef>
+        </p:style>
+      </p:cxnSp>
+      <p:sp>
+        <p:nvSpPr>
+          <p:cNvPr id="14" name="文本框 13">
+            <a:extLst>
+              <a:ext uri="{FF2B5EF4-FFF2-40B4-BE49-F238E27FC236}">
+                <a16:creationId xmlns:a16="http://schemas.microsoft.com/office/drawing/2014/main" id="{8ECC1214-3480-4201-8291-2866996D4CF2}"/>
+              </a:ext>
+            </a:extLst>
+          </p:cNvPr>
+          <p:cNvSpPr txBox="1"/>
+          <p:nvPr/>
+        </p:nvSpPr>
+        <p:spPr>
+          <a:xfrm>
+            <a:off x="488270" y="1855433"/>
+            <a:ext cx="674703" cy="369332"/>
+          </a:xfrm>
+          <a:prstGeom prst="rect">
+            <a:avLst/>
+          </a:prstGeom>
+          <a:noFill/>
+        </p:spPr>
+        <p:txBody>
+          <a:bodyPr wrap="square" rtlCol="0">
+            <a:spAutoFit/>
+          </a:bodyPr>
+          <a:lstStyle/>
+          <a:p>
+            <a:r>
+              <a:rPr lang="en-US" altLang="zh-CN"/>
+              <a:t>0x00</a:t>
+            </a:r>
+            <a:endParaRPr lang="zh-CN" altLang="en-US"/>
+          </a:p>
+        </p:txBody>
+      </p:sp>
+      <p:sp>
+        <p:nvSpPr>
+          <p:cNvPr id="65" name="文本框 64">
+            <a:extLst>
+              <a:ext uri="{FF2B5EF4-FFF2-40B4-BE49-F238E27FC236}">
+                <a16:creationId xmlns:a16="http://schemas.microsoft.com/office/drawing/2014/main" id="{6E89A3F0-47C1-4A6A-978F-5ACBD590BD8D}"/>
+              </a:ext>
+            </a:extLst>
+          </p:cNvPr>
+          <p:cNvSpPr txBox="1"/>
+          <p:nvPr/>
+        </p:nvSpPr>
+        <p:spPr>
+          <a:xfrm>
+            <a:off x="7351989" y="1855433"/>
+            <a:ext cx="833023" cy="369332"/>
+          </a:xfrm>
+          <a:prstGeom prst="rect">
+            <a:avLst/>
+          </a:prstGeom>
+          <a:noFill/>
+        </p:spPr>
+        <p:txBody>
+          <a:bodyPr wrap="square" rtlCol="0">
+            <a:spAutoFit/>
+          </a:bodyPr>
+          <a:lstStyle/>
+          <a:p>
+            <a:r>
+              <a:rPr lang="en-US" altLang="zh-CN"/>
+              <a:t>0x1BE</a:t>
+            </a:r>
+            <a:endParaRPr lang="zh-CN" altLang="en-US"/>
+          </a:p>
+        </p:txBody>
+      </p:sp>
+      <p:sp>
+        <p:nvSpPr>
+          <p:cNvPr id="68" name="文本框 67">
+            <a:extLst>
+              <a:ext uri="{FF2B5EF4-FFF2-40B4-BE49-F238E27FC236}">
+                <a16:creationId xmlns:a16="http://schemas.microsoft.com/office/drawing/2014/main" id="{358CAF56-0197-4831-93EB-366F5B1A8E27}"/>
+              </a:ext>
+            </a:extLst>
+          </p:cNvPr>
+          <p:cNvSpPr txBox="1"/>
+          <p:nvPr/>
+        </p:nvSpPr>
+        <p:spPr>
+          <a:xfrm>
+            <a:off x="9676324" y="1855433"/>
+            <a:ext cx="833023" cy="369332"/>
+          </a:xfrm>
+          <a:prstGeom prst="rect">
+            <a:avLst/>
+          </a:prstGeom>
+          <a:noFill/>
+        </p:spPr>
+        <p:txBody>
+          <a:bodyPr wrap="square" rtlCol="0">
+            <a:spAutoFit/>
+          </a:bodyPr>
+          <a:lstStyle/>
+          <a:p>
+            <a:r>
+              <a:rPr lang="en-US" altLang="zh-CN"/>
+              <a:t>0x1FE</a:t>
+            </a:r>
+            <a:endParaRPr lang="zh-CN" altLang="en-US"/>
+          </a:p>
+        </p:txBody>
+      </p:sp>
+      <p:sp>
+        <p:nvSpPr>
+          <p:cNvPr id="16" name="矩形 15">
+            <a:extLst>
+              <a:ext uri="{FF2B5EF4-FFF2-40B4-BE49-F238E27FC236}">
+                <a16:creationId xmlns:a16="http://schemas.microsoft.com/office/drawing/2014/main" id="{92BDAA25-BA34-46FD-A34D-816B5C2D587B}"/>
+              </a:ext>
+            </a:extLst>
+          </p:cNvPr>
+          <p:cNvSpPr/>
+          <p:nvPr/>
+        </p:nvSpPr>
+        <p:spPr>
+          <a:xfrm>
+            <a:off x="1772573" y="4797071"/>
+            <a:ext cx="359545" cy="923278"/>
+          </a:xfrm>
+          <a:prstGeom prst="rect">
+            <a:avLst/>
+          </a:prstGeom>
+        </p:spPr>
+        <p:style>
+          <a:lnRef idx="1">
+            <a:schemeClr val="accent2"/>
+          </a:lnRef>
+          <a:fillRef idx="2">
+            <a:schemeClr val="accent2"/>
+          </a:fillRef>
+          <a:effectRef idx="1">
+            <a:schemeClr val="accent2"/>
+          </a:effectRef>
+          <a:fontRef idx="minor">
+            <a:schemeClr val="dk1"/>
+          </a:fontRef>
+        </p:style>
+        <p:txBody>
+          <a:bodyPr rtlCol="0" anchor="ctr"/>
+          <a:lstStyle/>
+          <a:p>
+            <a:pPr algn="ctr"/>
+            <a:r>
+              <a:rPr lang="en-US" altLang="zh-CN" sz="1200">
+                <a:solidFill>
+                  <a:schemeClr val="bg1"/>
+                </a:solidFill>
+              </a:rPr>
+              <a:t>1B</a:t>
+            </a:r>
+            <a:endParaRPr lang="zh-CN" altLang="en-US" sz="1200">
+              <a:solidFill>
+                <a:schemeClr val="bg1"/>
+              </a:solidFill>
+            </a:endParaRPr>
+          </a:p>
+        </p:txBody>
+      </p:sp>
+      <p:sp>
+        <p:nvSpPr>
+          <p:cNvPr id="70" name="矩形 69">
+            <a:extLst>
+              <a:ext uri="{FF2B5EF4-FFF2-40B4-BE49-F238E27FC236}">
+                <a16:creationId xmlns:a16="http://schemas.microsoft.com/office/drawing/2014/main" id="{55764736-2C54-4D48-A02C-C90443DCA2A0}"/>
+              </a:ext>
+            </a:extLst>
+          </p:cNvPr>
+          <p:cNvSpPr/>
+          <p:nvPr/>
+        </p:nvSpPr>
+        <p:spPr>
+          <a:xfrm>
+            <a:off x="2132118" y="4797071"/>
+            <a:ext cx="772358" cy="923278"/>
+          </a:xfrm>
+          <a:prstGeom prst="rect">
+            <a:avLst/>
+          </a:prstGeom>
+        </p:spPr>
+        <p:style>
+          <a:lnRef idx="1">
+            <a:schemeClr val="accent2"/>
+          </a:lnRef>
+          <a:fillRef idx="2">
+            <a:schemeClr val="accent2"/>
+          </a:fillRef>
+          <a:effectRef idx="1">
+            <a:schemeClr val="accent2"/>
+          </a:effectRef>
+          <a:fontRef idx="minor">
+            <a:schemeClr val="dk1"/>
+          </a:fontRef>
+        </p:style>
+        <p:txBody>
+          <a:bodyPr rtlCol="0" anchor="ctr"/>
+          <a:lstStyle/>
+          <a:p>
+            <a:pPr algn="ctr"/>
+            <a:r>
+              <a:rPr lang="en-US" altLang="zh-CN" sz="1200">
+                <a:solidFill>
+                  <a:schemeClr val="bg1"/>
+                </a:solidFill>
+              </a:rPr>
+              <a:t>3B</a:t>
+            </a:r>
+            <a:endParaRPr lang="zh-CN" altLang="en-US" sz="1200">
+              <a:solidFill>
+                <a:schemeClr val="bg1"/>
+              </a:solidFill>
+            </a:endParaRPr>
+          </a:p>
+        </p:txBody>
+      </p:sp>
+      <p:sp>
+        <p:nvSpPr>
+          <p:cNvPr id="71" name="矩形 70">
+            <a:extLst>
+              <a:ext uri="{FF2B5EF4-FFF2-40B4-BE49-F238E27FC236}">
+                <a16:creationId xmlns:a16="http://schemas.microsoft.com/office/drawing/2014/main" id="{E202483F-895E-4AA5-AC57-A09765191938}"/>
+              </a:ext>
+            </a:extLst>
+          </p:cNvPr>
+          <p:cNvSpPr/>
+          <p:nvPr/>
+        </p:nvSpPr>
+        <p:spPr>
+          <a:xfrm>
+            <a:off x="2904476" y="4797071"/>
+            <a:ext cx="359545" cy="923278"/>
+          </a:xfrm>
+          <a:prstGeom prst="rect">
+            <a:avLst/>
+          </a:prstGeom>
+        </p:spPr>
+        <p:style>
+          <a:lnRef idx="1">
+            <a:schemeClr val="accent2"/>
+          </a:lnRef>
+          <a:fillRef idx="2">
+            <a:schemeClr val="accent2"/>
+          </a:fillRef>
+          <a:effectRef idx="1">
+            <a:schemeClr val="accent2"/>
+          </a:effectRef>
+          <a:fontRef idx="minor">
+            <a:schemeClr val="dk1"/>
+          </a:fontRef>
+        </p:style>
+        <p:txBody>
+          <a:bodyPr rtlCol="0" anchor="ctr"/>
+          <a:lstStyle/>
+          <a:p>
+            <a:pPr algn="ctr"/>
+            <a:r>
+              <a:rPr lang="en-US" altLang="zh-CN" sz="1200">
+                <a:solidFill>
+                  <a:schemeClr val="bg1"/>
+                </a:solidFill>
+              </a:rPr>
+              <a:t>1B</a:t>
+            </a:r>
+            <a:endParaRPr lang="zh-CN" altLang="en-US" sz="1200">
+              <a:solidFill>
+                <a:schemeClr val="bg1"/>
+              </a:solidFill>
+            </a:endParaRPr>
+          </a:p>
+        </p:txBody>
+      </p:sp>
+      <p:sp>
+        <p:nvSpPr>
+          <p:cNvPr id="72" name="矩形 71">
+            <a:extLst>
+              <a:ext uri="{FF2B5EF4-FFF2-40B4-BE49-F238E27FC236}">
+                <a16:creationId xmlns:a16="http://schemas.microsoft.com/office/drawing/2014/main" id="{BD0FCD9D-2336-4742-89F7-610E0448A3AA}"/>
+              </a:ext>
+            </a:extLst>
+          </p:cNvPr>
+          <p:cNvSpPr/>
+          <p:nvPr/>
+        </p:nvSpPr>
+        <p:spPr>
+          <a:xfrm>
+            <a:off x="3264021" y="4797071"/>
+            <a:ext cx="772358" cy="923278"/>
+          </a:xfrm>
+          <a:prstGeom prst="rect">
+            <a:avLst/>
+          </a:prstGeom>
+        </p:spPr>
+        <p:style>
+          <a:lnRef idx="1">
+            <a:schemeClr val="accent2"/>
+          </a:lnRef>
+          <a:fillRef idx="2">
+            <a:schemeClr val="accent2"/>
+          </a:fillRef>
+          <a:effectRef idx="1">
+            <a:schemeClr val="accent2"/>
+          </a:effectRef>
+          <a:fontRef idx="minor">
+            <a:schemeClr val="dk1"/>
+          </a:fontRef>
+        </p:style>
+        <p:txBody>
+          <a:bodyPr rtlCol="0" anchor="ctr"/>
+          <a:lstStyle/>
+          <a:p>
+            <a:pPr algn="ctr"/>
+            <a:r>
+              <a:rPr lang="en-US" altLang="zh-CN" sz="1200">
+                <a:solidFill>
+                  <a:schemeClr val="bg1"/>
+                </a:solidFill>
+              </a:rPr>
+              <a:t>3B</a:t>
+            </a:r>
+            <a:endParaRPr lang="zh-CN" altLang="en-US" sz="1200">
+              <a:solidFill>
+                <a:schemeClr val="bg1"/>
+              </a:solidFill>
+            </a:endParaRPr>
+          </a:p>
+        </p:txBody>
+      </p:sp>
+      <p:sp>
+        <p:nvSpPr>
+          <p:cNvPr id="73" name="矩形 72">
+            <a:extLst>
+              <a:ext uri="{FF2B5EF4-FFF2-40B4-BE49-F238E27FC236}">
+                <a16:creationId xmlns:a16="http://schemas.microsoft.com/office/drawing/2014/main" id="{397E794C-2A00-4C67-B8FF-EAE9F0AD3ADF}"/>
+              </a:ext>
+            </a:extLst>
+          </p:cNvPr>
+          <p:cNvSpPr/>
+          <p:nvPr/>
+        </p:nvSpPr>
+        <p:spPr>
+          <a:xfrm>
+            <a:off x="4036379" y="4797071"/>
+            <a:ext cx="1087515" cy="923278"/>
+          </a:xfrm>
+          <a:prstGeom prst="rect">
+            <a:avLst/>
+          </a:prstGeom>
+        </p:spPr>
+        <p:style>
+          <a:lnRef idx="1">
+            <a:schemeClr val="accent2"/>
+          </a:lnRef>
+          <a:fillRef idx="2">
+            <a:schemeClr val="accent2"/>
+          </a:fillRef>
+          <a:effectRef idx="1">
+            <a:schemeClr val="accent2"/>
+          </a:effectRef>
+          <a:fontRef idx="minor">
+            <a:schemeClr val="dk1"/>
+          </a:fontRef>
+        </p:style>
+        <p:txBody>
+          <a:bodyPr rtlCol="0" anchor="ctr"/>
+          <a:lstStyle/>
+          <a:p>
+            <a:pPr algn="ctr"/>
+            <a:r>
+              <a:rPr lang="en-US" altLang="zh-CN" sz="1200">
+                <a:solidFill>
+                  <a:schemeClr val="bg1"/>
+                </a:solidFill>
+              </a:rPr>
+              <a:t>4B</a:t>
+            </a:r>
+            <a:endParaRPr lang="zh-CN" altLang="en-US" sz="1200">
+              <a:solidFill>
+                <a:schemeClr val="bg1"/>
+              </a:solidFill>
+            </a:endParaRPr>
+          </a:p>
+        </p:txBody>
+      </p:sp>
+      <p:sp>
+        <p:nvSpPr>
+          <p:cNvPr id="74" name="矩形 73">
+            <a:extLst>
+              <a:ext uri="{FF2B5EF4-FFF2-40B4-BE49-F238E27FC236}">
+                <a16:creationId xmlns:a16="http://schemas.microsoft.com/office/drawing/2014/main" id="{5B9A1EF9-4B0B-4892-9143-7EEA317696E1}"/>
+              </a:ext>
+            </a:extLst>
+          </p:cNvPr>
+          <p:cNvSpPr/>
+          <p:nvPr/>
+        </p:nvSpPr>
+        <p:spPr>
+          <a:xfrm>
+            <a:off x="5123894" y="4797071"/>
+            <a:ext cx="1087515" cy="923278"/>
+          </a:xfrm>
+          <a:prstGeom prst="rect">
+            <a:avLst/>
+          </a:prstGeom>
+        </p:spPr>
+        <p:style>
+          <a:lnRef idx="1">
+            <a:schemeClr val="accent2"/>
+          </a:lnRef>
+          <a:fillRef idx="2">
+            <a:schemeClr val="accent2"/>
+          </a:fillRef>
+          <a:effectRef idx="1">
+            <a:schemeClr val="accent2"/>
+          </a:effectRef>
+          <a:fontRef idx="minor">
+            <a:schemeClr val="dk1"/>
+          </a:fontRef>
+        </p:style>
+        <p:txBody>
+          <a:bodyPr rtlCol="0" anchor="ctr"/>
+          <a:lstStyle/>
+          <a:p>
+            <a:pPr algn="ctr"/>
+            <a:r>
+              <a:rPr lang="en-US" altLang="zh-CN" sz="1200">
+                <a:solidFill>
+                  <a:schemeClr val="bg1"/>
+                </a:solidFill>
+              </a:rPr>
+              <a:t>4B</a:t>
+            </a:r>
+            <a:endParaRPr lang="zh-CN" altLang="en-US" sz="1200">
+              <a:solidFill>
+                <a:schemeClr val="bg1"/>
+              </a:solidFill>
+            </a:endParaRPr>
+          </a:p>
+        </p:txBody>
+      </p:sp>
+      <p:sp>
+        <p:nvSpPr>
+          <p:cNvPr id="75" name="文本框 74">
+            <a:extLst>
+              <a:ext uri="{FF2B5EF4-FFF2-40B4-BE49-F238E27FC236}">
+                <a16:creationId xmlns:a16="http://schemas.microsoft.com/office/drawing/2014/main" id="{74429C16-0324-4872-A462-D87C9AD7169A}"/>
+              </a:ext>
+            </a:extLst>
+          </p:cNvPr>
+          <p:cNvSpPr txBox="1"/>
+          <p:nvPr/>
+        </p:nvSpPr>
+        <p:spPr>
+          <a:xfrm>
+            <a:off x="469773" y="6030734"/>
+            <a:ext cx="1482572" cy="646331"/>
+          </a:xfrm>
+          <a:prstGeom prst="rect">
+            <a:avLst/>
+          </a:prstGeom>
+          <a:noFill/>
+        </p:spPr>
+        <p:txBody>
+          <a:bodyPr wrap="square" rtlCol="0">
+            <a:spAutoFit/>
+          </a:bodyPr>
+          <a:lstStyle/>
+          <a:p>
+            <a:r>
+              <a:rPr lang="zh-CN" altLang="en-US" sz="1200"/>
+              <a:t>可引导标志；</a:t>
+            </a:r>
+            <a:r>
+              <a:rPr lang="en-US" altLang="zh-CN" sz="1200"/>
+              <a:t>0x00-</a:t>
+            </a:r>
+            <a:r>
+              <a:rPr lang="zh-CN" altLang="en-US" sz="1200"/>
+              <a:t>不可引导；</a:t>
+            </a:r>
+            <a:r>
+              <a:rPr lang="en-US" altLang="zh-CN" sz="1200"/>
+              <a:t>0x80-</a:t>
+            </a:r>
+            <a:r>
+              <a:rPr lang="zh-CN" altLang="en-US" sz="1200"/>
+              <a:t>可引导</a:t>
+            </a:r>
+          </a:p>
+        </p:txBody>
+      </p:sp>
+      <p:sp>
+        <p:nvSpPr>
+          <p:cNvPr id="76" name="文本框 75">
+            <a:extLst>
+              <a:ext uri="{FF2B5EF4-FFF2-40B4-BE49-F238E27FC236}">
+                <a16:creationId xmlns:a16="http://schemas.microsoft.com/office/drawing/2014/main" id="{80DD3571-8EFC-4983-AF18-82D388D10ED2}"/>
+              </a:ext>
+            </a:extLst>
+          </p:cNvPr>
+          <p:cNvSpPr txBox="1"/>
+          <p:nvPr/>
+        </p:nvSpPr>
+        <p:spPr>
+          <a:xfrm>
+            <a:off x="1695633" y="6233035"/>
+            <a:ext cx="1482572" cy="276999"/>
+          </a:xfrm>
+          <a:prstGeom prst="rect">
+            <a:avLst/>
+          </a:prstGeom>
+          <a:noFill/>
+        </p:spPr>
+        <p:txBody>
+          <a:bodyPr wrap="square" rtlCol="0">
+            <a:spAutoFit/>
+          </a:bodyPr>
+          <a:lstStyle/>
+          <a:p>
+            <a:r>
+              <a:rPr lang="zh-CN" altLang="en-US" sz="1200"/>
+              <a:t>分区起始</a:t>
+            </a:r>
+            <a:r>
+              <a:rPr lang="en-US" altLang="zh-CN" sz="1200"/>
+              <a:t>CHS</a:t>
+            </a:r>
+            <a:r>
+              <a:rPr lang="zh-CN" altLang="en-US" sz="1200"/>
+              <a:t>地址</a:t>
+            </a:r>
+          </a:p>
+        </p:txBody>
+      </p:sp>
+      <p:sp>
+        <p:nvSpPr>
+          <p:cNvPr id="77" name="文本框 76">
+            <a:extLst>
+              <a:ext uri="{FF2B5EF4-FFF2-40B4-BE49-F238E27FC236}">
+                <a16:creationId xmlns:a16="http://schemas.microsoft.com/office/drawing/2014/main" id="{7CA341DC-681B-402C-950C-9816538B4736}"/>
+              </a:ext>
+            </a:extLst>
+          </p:cNvPr>
+          <p:cNvSpPr txBox="1"/>
+          <p:nvPr/>
+        </p:nvSpPr>
+        <p:spPr>
+          <a:xfrm>
+            <a:off x="3066122" y="6233034"/>
+            <a:ext cx="893317" cy="276999"/>
+          </a:xfrm>
+          <a:prstGeom prst="rect">
+            <a:avLst/>
+          </a:prstGeom>
+          <a:noFill/>
+        </p:spPr>
+        <p:txBody>
+          <a:bodyPr wrap="square" rtlCol="0">
+            <a:spAutoFit/>
+          </a:bodyPr>
+          <a:lstStyle/>
+          <a:p>
+            <a:r>
+              <a:rPr lang="zh-CN" altLang="en-US" sz="1200"/>
+              <a:t>分区类型</a:t>
+            </a:r>
+          </a:p>
+        </p:txBody>
+      </p:sp>
+      <p:sp>
+        <p:nvSpPr>
+          <p:cNvPr id="78" name="文本框 77">
+            <a:extLst>
+              <a:ext uri="{FF2B5EF4-FFF2-40B4-BE49-F238E27FC236}">
+                <a16:creationId xmlns:a16="http://schemas.microsoft.com/office/drawing/2014/main" id="{15D0C3CC-4FDC-4982-B799-4BB80855020F}"/>
+              </a:ext>
+            </a:extLst>
+          </p:cNvPr>
+          <p:cNvSpPr txBox="1"/>
+          <p:nvPr/>
+        </p:nvSpPr>
+        <p:spPr>
+          <a:xfrm>
+            <a:off x="3959439" y="6216433"/>
+            <a:ext cx="1482572" cy="276999"/>
+          </a:xfrm>
+          <a:prstGeom prst="rect">
+            <a:avLst/>
+          </a:prstGeom>
+          <a:noFill/>
+        </p:spPr>
+        <p:txBody>
+          <a:bodyPr wrap="square" rtlCol="0">
+            <a:spAutoFit/>
+          </a:bodyPr>
+          <a:lstStyle/>
+          <a:p>
+            <a:r>
+              <a:rPr lang="zh-CN" altLang="en-US" sz="1200"/>
+              <a:t>分区结束</a:t>
+            </a:r>
+            <a:r>
+              <a:rPr lang="en-US" altLang="zh-CN" sz="1200"/>
+              <a:t>CHS</a:t>
+            </a:r>
+            <a:r>
+              <a:rPr lang="zh-CN" altLang="en-US" sz="1200"/>
+              <a:t>地址</a:t>
+            </a:r>
+          </a:p>
+        </p:txBody>
+      </p:sp>
+      <p:sp>
+        <p:nvSpPr>
+          <p:cNvPr id="79" name="文本框 78">
+            <a:extLst>
+              <a:ext uri="{FF2B5EF4-FFF2-40B4-BE49-F238E27FC236}">
+                <a16:creationId xmlns:a16="http://schemas.microsoft.com/office/drawing/2014/main" id="{545132AE-C8E2-4BDC-9214-916897575FB5}"/>
+              </a:ext>
+            </a:extLst>
+          </p:cNvPr>
+          <p:cNvSpPr txBox="1"/>
+          <p:nvPr/>
+        </p:nvSpPr>
+        <p:spPr>
+          <a:xfrm>
+            <a:off x="5495280" y="6215400"/>
+            <a:ext cx="1482572" cy="461665"/>
+          </a:xfrm>
+          <a:prstGeom prst="rect">
+            <a:avLst/>
+          </a:prstGeom>
+          <a:noFill/>
+        </p:spPr>
+        <p:txBody>
+          <a:bodyPr wrap="square" rtlCol="0">
+            <a:spAutoFit/>
+          </a:bodyPr>
+          <a:lstStyle/>
+          <a:p>
+            <a:r>
+              <a:rPr lang="zh-CN" altLang="en-US" sz="1200"/>
+              <a:t>分区起始</a:t>
+            </a:r>
+            <a:r>
+              <a:rPr lang="en-US" altLang="zh-CN" sz="1200"/>
+              <a:t>LBA</a:t>
+            </a:r>
+            <a:r>
+              <a:rPr lang="zh-CN" altLang="en-US" sz="1200"/>
+              <a:t>地址（</a:t>
+            </a:r>
+            <a:r>
+              <a:rPr lang="en-US" altLang="zh-CN" sz="1200"/>
+              <a:t>Little-endian</a:t>
+            </a:r>
+            <a:r>
+              <a:rPr lang="zh-CN" altLang="en-US" sz="1200"/>
+              <a:t>顺序）</a:t>
+            </a:r>
+          </a:p>
+        </p:txBody>
+      </p:sp>
+      <p:sp>
+        <p:nvSpPr>
+          <p:cNvPr id="80" name="文本框 79">
+            <a:extLst>
+              <a:ext uri="{FF2B5EF4-FFF2-40B4-BE49-F238E27FC236}">
+                <a16:creationId xmlns:a16="http://schemas.microsoft.com/office/drawing/2014/main" id="{F84D9374-B5E4-477A-88AF-0E8F7A20A787}"/>
+              </a:ext>
+            </a:extLst>
+          </p:cNvPr>
+          <p:cNvSpPr txBox="1"/>
+          <p:nvPr/>
+        </p:nvSpPr>
+        <p:spPr>
+          <a:xfrm>
+            <a:off x="7195352" y="6140700"/>
+            <a:ext cx="1482572" cy="461665"/>
+          </a:xfrm>
+          <a:prstGeom prst="rect">
+            <a:avLst/>
+          </a:prstGeom>
+          <a:noFill/>
+        </p:spPr>
+        <p:txBody>
+          <a:bodyPr wrap="square" rtlCol="0">
+            <a:spAutoFit/>
+          </a:bodyPr>
+          <a:lstStyle/>
+          <a:p>
+            <a:r>
+              <a:rPr lang="zh-CN" altLang="en-US" sz="1200"/>
+              <a:t>分区大小扇区数（</a:t>
+            </a:r>
+            <a:r>
+              <a:rPr lang="en-US" altLang="zh-CN" sz="1200"/>
+              <a:t>Little-endian</a:t>
+            </a:r>
+            <a:r>
+              <a:rPr lang="zh-CN" altLang="en-US" sz="1200"/>
+              <a:t>顺序）</a:t>
+            </a:r>
+          </a:p>
+        </p:txBody>
+      </p:sp>
+      <p:cxnSp>
+        <p:nvCxnSpPr>
+          <p:cNvPr id="18" name="连接符: 肘形 17">
+            <a:extLst>
+              <a:ext uri="{FF2B5EF4-FFF2-40B4-BE49-F238E27FC236}">
+                <a16:creationId xmlns:a16="http://schemas.microsoft.com/office/drawing/2014/main" id="{D762F371-CAE2-4177-BF4A-9207202940BF}"/>
+              </a:ext>
+            </a:extLst>
+          </p:cNvPr>
+          <p:cNvCxnSpPr>
+            <a:stCxn id="16" idx="2"/>
+            <a:endCxn id="75" idx="0"/>
+          </p:cNvCxnSpPr>
+          <p:nvPr/>
+        </p:nvCxnSpPr>
+        <p:spPr>
+          <a:xfrm rot="5400000">
+            <a:off x="1426511" y="5504898"/>
+            <a:ext cx="310385" cy="741287"/>
+          </a:xfrm>
+          <a:prstGeom prst="bentConnector3">
+            <a:avLst/>
+          </a:prstGeom>
+          <a:ln>
+            <a:tailEnd type="triangle"/>
+          </a:ln>
+        </p:spPr>
+        <p:style>
+          <a:lnRef idx="1">
+            <a:schemeClr val="accent1"/>
+          </a:lnRef>
+          <a:fillRef idx="0">
+            <a:schemeClr val="accent1"/>
+          </a:fillRef>
+          <a:effectRef idx="0">
+            <a:schemeClr val="accent1"/>
+          </a:effectRef>
+          <a:fontRef idx="minor">
+            <a:schemeClr val="tx1"/>
+          </a:fontRef>
+        </p:style>
+      </p:cxnSp>
+      <p:cxnSp>
+        <p:nvCxnSpPr>
+          <p:cNvPr id="83" name="连接符: 肘形 82">
+            <a:extLst>
+              <a:ext uri="{FF2B5EF4-FFF2-40B4-BE49-F238E27FC236}">
+                <a16:creationId xmlns:a16="http://schemas.microsoft.com/office/drawing/2014/main" id="{AB33E67F-12D9-4D6A-B2BE-0061E1C4E4F0}"/>
+              </a:ext>
+            </a:extLst>
+          </p:cNvPr>
+          <p:cNvCxnSpPr>
+            <a:cxnSpLocks/>
+            <a:stCxn id="70" idx="2"/>
+            <a:endCxn id="76" idx="0"/>
+          </p:cNvCxnSpPr>
+          <p:nvPr/>
+        </p:nvCxnSpPr>
+        <p:spPr>
+          <a:xfrm rot="5400000">
+            <a:off x="2221265" y="5936003"/>
+            <a:ext cx="512686" cy="81378"/>
+          </a:xfrm>
+          <a:prstGeom prst="bentConnector3">
+            <a:avLst>
+              <a:gd name="adj1" fmla="val 50000"/>
+            </a:avLst>
+          </a:prstGeom>
+          <a:ln>
+            <a:tailEnd type="triangle"/>
+          </a:ln>
+        </p:spPr>
+        <p:style>
+          <a:lnRef idx="1">
+            <a:schemeClr val="accent1"/>
+          </a:lnRef>
+          <a:fillRef idx="0">
+            <a:schemeClr val="accent1"/>
+          </a:fillRef>
+          <a:effectRef idx="0">
+            <a:schemeClr val="accent1"/>
+          </a:effectRef>
+          <a:fontRef idx="minor">
+            <a:schemeClr val="tx1"/>
+          </a:fontRef>
+        </p:style>
+      </p:cxnSp>
+      <p:cxnSp>
+        <p:nvCxnSpPr>
+          <p:cNvPr id="86" name="连接符: 肘形 85">
+            <a:extLst>
+              <a:ext uri="{FF2B5EF4-FFF2-40B4-BE49-F238E27FC236}">
+                <a16:creationId xmlns:a16="http://schemas.microsoft.com/office/drawing/2014/main" id="{EB208A4B-FBFA-4415-8C6C-E2C7D0424EA5}"/>
+              </a:ext>
+            </a:extLst>
+          </p:cNvPr>
+          <p:cNvCxnSpPr>
+            <a:cxnSpLocks/>
+            <a:stCxn id="71" idx="2"/>
+            <a:endCxn id="77" idx="0"/>
+          </p:cNvCxnSpPr>
+          <p:nvPr/>
+        </p:nvCxnSpPr>
+        <p:spPr>
+          <a:xfrm rot="16200000" flipH="1">
+            <a:off x="3042173" y="5762425"/>
+            <a:ext cx="512685" cy="428532"/>
+          </a:xfrm>
+          <a:prstGeom prst="bentConnector3">
+            <a:avLst>
+              <a:gd name="adj1" fmla="val 50000"/>
+            </a:avLst>
+          </a:prstGeom>
+          <a:ln>
+            <a:tailEnd type="triangle"/>
+          </a:ln>
+        </p:spPr>
+        <p:style>
+          <a:lnRef idx="1">
+            <a:schemeClr val="accent1"/>
+          </a:lnRef>
+          <a:fillRef idx="0">
+            <a:schemeClr val="accent1"/>
+          </a:fillRef>
+          <a:effectRef idx="0">
+            <a:schemeClr val="accent1"/>
+          </a:effectRef>
+          <a:fontRef idx="minor">
+            <a:schemeClr val="tx1"/>
+          </a:fontRef>
+        </p:style>
+      </p:cxnSp>
+      <p:cxnSp>
+        <p:nvCxnSpPr>
+          <p:cNvPr id="89" name="连接符: 肘形 88">
+            <a:extLst>
+              <a:ext uri="{FF2B5EF4-FFF2-40B4-BE49-F238E27FC236}">
+                <a16:creationId xmlns:a16="http://schemas.microsoft.com/office/drawing/2014/main" id="{CB2E14CB-CE43-4F69-813D-37D904ED6344}"/>
+              </a:ext>
+            </a:extLst>
+          </p:cNvPr>
+          <p:cNvCxnSpPr>
+            <a:cxnSpLocks/>
+            <a:stCxn id="72" idx="2"/>
+            <a:endCxn id="78" idx="0"/>
+          </p:cNvCxnSpPr>
+          <p:nvPr/>
+        </p:nvCxnSpPr>
+        <p:spPr>
+          <a:xfrm rot="16200000" flipH="1">
+            <a:off x="3927420" y="5443128"/>
+            <a:ext cx="496084" cy="1050525"/>
+          </a:xfrm>
+          <a:prstGeom prst="bentConnector3">
+            <a:avLst>
+              <a:gd name="adj1" fmla="val 50000"/>
+            </a:avLst>
+          </a:prstGeom>
+          <a:ln>
+            <a:tailEnd type="triangle"/>
+          </a:ln>
+        </p:spPr>
+        <p:style>
+          <a:lnRef idx="1">
+            <a:schemeClr val="accent1"/>
+          </a:lnRef>
+          <a:fillRef idx="0">
+            <a:schemeClr val="accent1"/>
+          </a:fillRef>
+          <a:effectRef idx="0">
+            <a:schemeClr val="accent1"/>
+          </a:effectRef>
+          <a:fontRef idx="minor">
+            <a:schemeClr val="tx1"/>
+          </a:fontRef>
+        </p:style>
+      </p:cxnSp>
+      <p:cxnSp>
+        <p:nvCxnSpPr>
+          <p:cNvPr id="92" name="连接符: 肘形 91">
+            <a:extLst>
+              <a:ext uri="{FF2B5EF4-FFF2-40B4-BE49-F238E27FC236}">
+                <a16:creationId xmlns:a16="http://schemas.microsoft.com/office/drawing/2014/main" id="{781CA982-CCED-4119-9FC9-278C8D1F5EE5}"/>
+              </a:ext>
+            </a:extLst>
+          </p:cNvPr>
+          <p:cNvCxnSpPr>
+            <a:cxnSpLocks/>
+            <a:stCxn id="73" idx="2"/>
+            <a:endCxn id="79" idx="0"/>
+          </p:cNvCxnSpPr>
+          <p:nvPr/>
+        </p:nvCxnSpPr>
+        <p:spPr>
+          <a:xfrm rot="16200000" flipH="1">
+            <a:off x="5160826" y="5139659"/>
+            <a:ext cx="495051" cy="1656429"/>
+          </a:xfrm>
+          <a:prstGeom prst="bentConnector3">
+            <a:avLst>
+              <a:gd name="adj1" fmla="val 32067"/>
+            </a:avLst>
+          </a:prstGeom>
+          <a:ln>
+            <a:tailEnd type="triangle"/>
+          </a:ln>
+        </p:spPr>
+        <p:style>
+          <a:lnRef idx="1">
+            <a:schemeClr val="accent1"/>
+          </a:lnRef>
+          <a:fillRef idx="0">
+            <a:schemeClr val="accent1"/>
+          </a:fillRef>
+          <a:effectRef idx="0">
+            <a:schemeClr val="accent1"/>
+          </a:effectRef>
+          <a:fontRef idx="minor">
+            <a:schemeClr val="tx1"/>
+          </a:fontRef>
+        </p:style>
+      </p:cxnSp>
+      <p:cxnSp>
+        <p:nvCxnSpPr>
+          <p:cNvPr id="96" name="连接符: 肘形 95">
+            <a:extLst>
+              <a:ext uri="{FF2B5EF4-FFF2-40B4-BE49-F238E27FC236}">
+                <a16:creationId xmlns:a16="http://schemas.microsoft.com/office/drawing/2014/main" id="{06C09F5B-DE68-4FF9-9DC5-3DF1CAE236A5}"/>
+              </a:ext>
+            </a:extLst>
+          </p:cNvPr>
+          <p:cNvCxnSpPr>
+            <a:cxnSpLocks/>
+            <a:stCxn id="74" idx="2"/>
+            <a:endCxn id="80" idx="0"/>
+          </p:cNvCxnSpPr>
+          <p:nvPr/>
+        </p:nvCxnSpPr>
+        <p:spPr>
+          <a:xfrm rot="16200000" flipH="1">
+            <a:off x="6591970" y="4796031"/>
+            <a:ext cx="420351" cy="2268986"/>
+          </a:xfrm>
+          <a:prstGeom prst="bentConnector3">
+            <a:avLst>
+              <a:gd name="adj1" fmla="val 22544"/>
+            </a:avLst>
+          </a:prstGeom>
+          <a:ln>
+            <a:tailEnd type="triangle"/>
+          </a:ln>
+        </p:spPr>
+        <p:style>
+          <a:lnRef idx="1">
+            <a:schemeClr val="accent1"/>
+          </a:lnRef>
+          <a:fillRef idx="0">
+            <a:schemeClr val="accent1"/>
+          </a:fillRef>
+          <a:effectRef idx="0">
+            <a:schemeClr val="accent1"/>
+          </a:effectRef>
+          <a:fontRef idx="minor">
+            <a:schemeClr val="tx1"/>
+          </a:fontRef>
+        </p:style>
+      </p:cxnSp>
+      <p:cxnSp>
+        <p:nvCxnSpPr>
+          <p:cNvPr id="233" name="直接连接符 232">
+            <a:extLst>
+              <a:ext uri="{FF2B5EF4-FFF2-40B4-BE49-F238E27FC236}">
+                <a16:creationId xmlns:a16="http://schemas.microsoft.com/office/drawing/2014/main" id="{0EC1FEDB-386B-4D1D-9F86-DD7F5789361A}"/>
+              </a:ext>
+            </a:extLst>
+          </p:cNvPr>
+          <p:cNvCxnSpPr/>
+          <p:nvPr/>
+        </p:nvCxnSpPr>
+        <p:spPr>
+          <a:xfrm flipH="1">
+            <a:off x="1772573" y="4145873"/>
+            <a:ext cx="198268" cy="651198"/>
+          </a:xfrm>
+          <a:prstGeom prst="line">
+            <a:avLst/>
+          </a:prstGeom>
+        </p:spPr>
+        <p:style>
+          <a:lnRef idx="1">
+            <a:schemeClr val="accent1"/>
+          </a:lnRef>
+          <a:fillRef idx="0">
+            <a:schemeClr val="accent1"/>
+          </a:fillRef>
+          <a:effectRef idx="0">
+            <a:schemeClr val="accent1"/>
+          </a:effectRef>
+          <a:fontRef idx="minor">
+            <a:schemeClr val="tx1"/>
+          </a:fontRef>
+        </p:style>
+      </p:cxnSp>
+      <p:cxnSp>
+        <p:nvCxnSpPr>
+          <p:cNvPr id="103" name="直接连接符 102">
+            <a:extLst>
+              <a:ext uri="{FF2B5EF4-FFF2-40B4-BE49-F238E27FC236}">
+                <a16:creationId xmlns:a16="http://schemas.microsoft.com/office/drawing/2014/main" id="{5D8227ED-6B32-4EEC-9EC2-D03D421695AB}"/>
+              </a:ext>
+            </a:extLst>
+          </p:cNvPr>
+          <p:cNvCxnSpPr>
+            <a:cxnSpLocks/>
+          </p:cNvCxnSpPr>
+          <p:nvPr/>
+        </p:nvCxnSpPr>
+        <p:spPr>
+          <a:xfrm>
+            <a:off x="3949825" y="4150740"/>
+            <a:ext cx="2261584" cy="629730"/>
+          </a:xfrm>
+          <a:prstGeom prst="line">
+            <a:avLst/>
+          </a:prstGeom>
+        </p:spPr>
+        <p:style>
+          <a:lnRef idx="1">
+            <a:schemeClr val="accent1"/>
+          </a:lnRef>
+          <a:fillRef idx="0">
+            <a:schemeClr val="accent1"/>
+          </a:fillRef>
+          <a:effectRef idx="0">
+            <a:schemeClr val="accent1"/>
+          </a:effectRef>
+          <a:fontRef idx="minor">
+            <a:schemeClr val="tx1"/>
+          </a:fontRef>
+        </p:style>
+      </p:cxnSp>
+    </p:spTree>
+    <p:extLst>
+      <p:ext uri="{BB962C8B-B14F-4D97-AF65-F5344CB8AC3E}">
+        <p14:creationId xmlns:p14="http://schemas.microsoft.com/office/powerpoint/2010/main" val="1688889764"/>
       </p:ext>
     </p:extLst>
   </p:cSld>

--- a/linux/0.11/绘图.pptx
+++ b/linux/0.11/绘图.pptx
@@ -5,7 +5,7 @@
     <p:sldMasterId id="2147483648" r:id="rId1"/>
   </p:sldMasterIdLst>
   <p:notesMasterIdLst>
-    <p:notesMasterId r:id="rId14"/>
+    <p:notesMasterId r:id="rId15"/>
   </p:notesMasterIdLst>
   <p:sldIdLst>
     <p:sldId id="256" r:id="rId2"/>
@@ -20,6 +20,7 @@
     <p:sldId id="265" r:id="rId11"/>
     <p:sldId id="266" r:id="rId12"/>
     <p:sldId id="267" r:id="rId13"/>
+    <p:sldId id="268" r:id="rId14"/>
   </p:sldIdLst>
   <p:sldSz cx="12192000" cy="6858000"/>
   <p:notesSz cx="6858000" cy="9144000"/>
@@ -208,7 +209,7 @@
           <a:p>
             <a:fld id="{FCB4A6C6-D4FF-46FB-B68A-B4CDAD92E7F2}" type="datetimeFigureOut">
               <a:rPr lang="zh-CN" altLang="en-US" smtClean="0"/>
-              <a:t>2021/9/26</a:t>
+              <a:t>2021/9/28</a:t>
             </a:fld>
             <a:endParaRPr lang="zh-CN" altLang="en-US"/>
           </a:p>
@@ -622,7 +623,7 @@
           <a:p>
             <a:fld id="{4D5C727F-9CFA-4201-8FE6-D45351228B27}" type="datetimeFigureOut">
               <a:rPr lang="zh-CN" altLang="en-US" smtClean="0"/>
-              <a:t>2021/9/26</a:t>
+              <a:t>2021/9/28</a:t>
             </a:fld>
             <a:endParaRPr lang="zh-CN" altLang="en-US"/>
           </a:p>
@@ -820,7 +821,7 @@
           <a:p>
             <a:fld id="{4D5C727F-9CFA-4201-8FE6-D45351228B27}" type="datetimeFigureOut">
               <a:rPr lang="zh-CN" altLang="en-US" smtClean="0"/>
-              <a:t>2021/9/26</a:t>
+              <a:t>2021/9/28</a:t>
             </a:fld>
             <a:endParaRPr lang="zh-CN" altLang="en-US"/>
           </a:p>
@@ -1028,7 +1029,7 @@
           <a:p>
             <a:fld id="{4D5C727F-9CFA-4201-8FE6-D45351228B27}" type="datetimeFigureOut">
               <a:rPr lang="zh-CN" altLang="en-US" smtClean="0"/>
-              <a:t>2021/9/26</a:t>
+              <a:t>2021/9/28</a:t>
             </a:fld>
             <a:endParaRPr lang="zh-CN" altLang="en-US"/>
           </a:p>
@@ -1226,7 +1227,7 @@
           <a:p>
             <a:fld id="{4D5C727F-9CFA-4201-8FE6-D45351228B27}" type="datetimeFigureOut">
               <a:rPr lang="zh-CN" altLang="en-US" smtClean="0"/>
-              <a:t>2021/9/26</a:t>
+              <a:t>2021/9/28</a:t>
             </a:fld>
             <a:endParaRPr lang="zh-CN" altLang="en-US"/>
           </a:p>
@@ -1501,7 +1502,7 @@
           <a:p>
             <a:fld id="{4D5C727F-9CFA-4201-8FE6-D45351228B27}" type="datetimeFigureOut">
               <a:rPr lang="zh-CN" altLang="en-US" smtClean="0"/>
-              <a:t>2021/9/26</a:t>
+              <a:t>2021/9/28</a:t>
             </a:fld>
             <a:endParaRPr lang="zh-CN" altLang="en-US"/>
           </a:p>
@@ -1766,7 +1767,7 @@
           <a:p>
             <a:fld id="{4D5C727F-9CFA-4201-8FE6-D45351228B27}" type="datetimeFigureOut">
               <a:rPr lang="zh-CN" altLang="en-US" smtClean="0"/>
-              <a:t>2021/9/26</a:t>
+              <a:t>2021/9/28</a:t>
             </a:fld>
             <a:endParaRPr lang="zh-CN" altLang="en-US"/>
           </a:p>
@@ -2178,7 +2179,7 @@
           <a:p>
             <a:fld id="{4D5C727F-9CFA-4201-8FE6-D45351228B27}" type="datetimeFigureOut">
               <a:rPr lang="zh-CN" altLang="en-US" smtClean="0"/>
-              <a:t>2021/9/26</a:t>
+              <a:t>2021/9/28</a:t>
             </a:fld>
             <a:endParaRPr lang="zh-CN" altLang="en-US"/>
           </a:p>
@@ -2319,7 +2320,7 @@
           <a:p>
             <a:fld id="{4D5C727F-9CFA-4201-8FE6-D45351228B27}" type="datetimeFigureOut">
               <a:rPr lang="zh-CN" altLang="en-US" smtClean="0"/>
-              <a:t>2021/9/26</a:t>
+              <a:t>2021/9/28</a:t>
             </a:fld>
             <a:endParaRPr lang="zh-CN" altLang="en-US"/>
           </a:p>
@@ -2432,7 +2433,7 @@
           <a:p>
             <a:fld id="{4D5C727F-9CFA-4201-8FE6-D45351228B27}" type="datetimeFigureOut">
               <a:rPr lang="zh-CN" altLang="en-US" smtClean="0"/>
-              <a:t>2021/9/26</a:t>
+              <a:t>2021/9/28</a:t>
             </a:fld>
             <a:endParaRPr lang="zh-CN" altLang="en-US"/>
           </a:p>
@@ -2743,7 +2744,7 @@
           <a:p>
             <a:fld id="{4D5C727F-9CFA-4201-8FE6-D45351228B27}" type="datetimeFigureOut">
               <a:rPr lang="zh-CN" altLang="en-US" smtClean="0"/>
-              <a:t>2021/9/26</a:t>
+              <a:t>2021/9/28</a:t>
             </a:fld>
             <a:endParaRPr lang="zh-CN" altLang="en-US"/>
           </a:p>
@@ -3031,7 +3032,7 @@
           <a:p>
             <a:fld id="{4D5C727F-9CFA-4201-8FE6-D45351228B27}" type="datetimeFigureOut">
               <a:rPr lang="zh-CN" altLang="en-US" smtClean="0"/>
-              <a:t>2021/9/26</a:t>
+              <a:t>2021/9/28</a:t>
             </a:fld>
             <a:endParaRPr lang="zh-CN" altLang="en-US"/>
           </a:p>
@@ -3272,7 +3273,7 @@
           <a:p>
             <a:fld id="{4D5C727F-9CFA-4201-8FE6-D45351228B27}" type="datetimeFigureOut">
               <a:rPr lang="zh-CN" altLang="en-US" smtClean="0"/>
-              <a:t>2021/9/26</a:t>
+              <a:t>2021/9/28</a:t>
             </a:fld>
             <a:endParaRPr lang="zh-CN" altLang="en-US"/>
           </a:p>
@@ -13628,6 +13629,837 @@
     <p:extLst>
       <p:ext uri="{BB962C8B-B14F-4D97-AF65-F5344CB8AC3E}">
         <p14:creationId xmlns:p14="http://schemas.microsoft.com/office/powerpoint/2010/main" val="1688889764"/>
+      </p:ext>
+    </p:extLst>
+  </p:cSld>
+  <p:clrMapOvr>
+    <a:masterClrMapping/>
+  </p:clrMapOvr>
+</p:sld>
+</file>
+
+<file path=ppt/slides/slide13.xml><?xml version="1.0" encoding="utf-8"?>
+<p:sld xmlns:a="http://schemas.openxmlformats.org/drawingml/2006/main" xmlns:r="http://schemas.openxmlformats.org/officeDocument/2006/relationships" xmlns:p="http://schemas.openxmlformats.org/presentationml/2006/main">
+  <p:cSld>
+    <p:spTree>
+      <p:nvGrpSpPr>
+        <p:cNvPr id="1" name=""/>
+        <p:cNvGrpSpPr/>
+        <p:nvPr/>
+      </p:nvGrpSpPr>
+      <p:grpSpPr>
+        <a:xfrm>
+          <a:off x="0" y="0"/>
+          <a:ext cx="0" cy="0"/>
+          <a:chOff x="0" y="0"/>
+          <a:chExt cx="0" cy="0"/>
+        </a:xfrm>
+      </p:grpSpPr>
+      <p:sp>
+        <p:nvSpPr>
+          <p:cNvPr id="9" name="矩形 8">
+            <a:extLst>
+              <a:ext uri="{FF2B5EF4-FFF2-40B4-BE49-F238E27FC236}">
+                <a16:creationId xmlns:a16="http://schemas.microsoft.com/office/drawing/2014/main" id="{09BA29A5-9176-40DF-86B6-41EB4DB479E3}"/>
+              </a:ext>
+            </a:extLst>
+          </p:cNvPr>
+          <p:cNvSpPr/>
+          <p:nvPr/>
+        </p:nvSpPr>
+        <p:spPr>
+          <a:xfrm>
+            <a:off x="577048" y="1970843"/>
+            <a:ext cx="9721048" cy="1340528"/>
+          </a:xfrm>
+          <a:prstGeom prst="rect">
+            <a:avLst/>
+          </a:prstGeom>
+          <a:noFill/>
+          <a:ln w="9525" cap="flat" cmpd="sng" algn="ctr">
+            <a:solidFill>
+              <a:schemeClr val="accent1"/>
+            </a:solidFill>
+            <a:prstDash val="solid"/>
+            <a:round/>
+            <a:headEnd type="none" w="med" len="med"/>
+            <a:tailEnd type="none" w="med" len="med"/>
+          </a:ln>
+        </p:spPr>
+        <p:style>
+          <a:lnRef idx="0">
+            <a:scrgbClr r="0" g="0" b="0"/>
+          </a:lnRef>
+          <a:fillRef idx="0">
+            <a:scrgbClr r="0" g="0" b="0"/>
+          </a:fillRef>
+          <a:effectRef idx="0">
+            <a:scrgbClr r="0" g="0" b="0"/>
+          </a:effectRef>
+          <a:fontRef idx="minor">
+            <a:schemeClr val="accent1"/>
+          </a:fontRef>
+        </p:style>
+        <p:txBody>
+          <a:bodyPr rtlCol="0" anchor="ctr"/>
+          <a:lstStyle/>
+          <a:p>
+            <a:pPr algn="ctr"/>
+            <a:endParaRPr lang="zh-CN" altLang="en-US"/>
+          </a:p>
+        </p:txBody>
+      </p:sp>
+      <p:sp>
+        <p:nvSpPr>
+          <p:cNvPr id="3" name="矩形 2">
+            <a:extLst>
+              <a:ext uri="{FF2B5EF4-FFF2-40B4-BE49-F238E27FC236}">
+                <a16:creationId xmlns:a16="http://schemas.microsoft.com/office/drawing/2014/main" id="{354CE2A2-CE04-450D-AA68-34C8ABAC0266}"/>
+              </a:ext>
+            </a:extLst>
+          </p:cNvPr>
+          <p:cNvSpPr/>
+          <p:nvPr/>
+        </p:nvSpPr>
+        <p:spPr>
+          <a:xfrm>
+            <a:off x="861134" y="2343704"/>
+            <a:ext cx="1518082" cy="639193"/>
+          </a:xfrm>
+          <a:prstGeom prst="rect">
+            <a:avLst/>
+          </a:prstGeom>
+        </p:spPr>
+        <p:style>
+          <a:lnRef idx="2">
+            <a:schemeClr val="accent6">
+              <a:shade val="50000"/>
+            </a:schemeClr>
+          </a:lnRef>
+          <a:fillRef idx="1">
+            <a:schemeClr val="accent6"/>
+          </a:fillRef>
+          <a:effectRef idx="0">
+            <a:schemeClr val="accent6"/>
+          </a:effectRef>
+          <a:fontRef idx="minor">
+            <a:schemeClr val="lt1"/>
+          </a:fontRef>
+        </p:style>
+        <p:txBody>
+          <a:bodyPr rtlCol="0" anchor="ctr"/>
+          <a:lstStyle/>
+          <a:p>
+            <a:pPr algn="ctr"/>
+            <a:r>
+              <a:rPr lang="en-US" altLang="zh-CN"/>
+              <a:t>EDX</a:t>
+            </a:r>
+            <a:endParaRPr lang="zh-CN" altLang="en-US"/>
+          </a:p>
+        </p:txBody>
+      </p:sp>
+      <p:sp>
+        <p:nvSpPr>
+          <p:cNvPr id="36" name="矩形 35">
+            <a:extLst>
+              <a:ext uri="{FF2B5EF4-FFF2-40B4-BE49-F238E27FC236}">
+                <a16:creationId xmlns:a16="http://schemas.microsoft.com/office/drawing/2014/main" id="{EB8C3DBD-B563-41A3-B579-24F01A531760}"/>
+              </a:ext>
+            </a:extLst>
+          </p:cNvPr>
+          <p:cNvSpPr/>
+          <p:nvPr/>
+        </p:nvSpPr>
+        <p:spPr>
+          <a:xfrm>
+            <a:off x="2379217" y="2343704"/>
+            <a:ext cx="1518082" cy="639193"/>
+          </a:xfrm>
+          <a:prstGeom prst="rect">
+            <a:avLst/>
+          </a:prstGeom>
+        </p:spPr>
+        <p:style>
+          <a:lnRef idx="2">
+            <a:schemeClr val="accent6">
+              <a:shade val="50000"/>
+            </a:schemeClr>
+          </a:lnRef>
+          <a:fillRef idx="1">
+            <a:schemeClr val="accent6"/>
+          </a:fillRef>
+          <a:effectRef idx="0">
+            <a:schemeClr val="accent6"/>
+          </a:effectRef>
+          <a:fontRef idx="minor">
+            <a:schemeClr val="lt1"/>
+          </a:fontRef>
+        </p:style>
+        <p:txBody>
+          <a:bodyPr rtlCol="0" anchor="ctr"/>
+          <a:lstStyle/>
+          <a:p>
+            <a:pPr algn="ctr"/>
+            <a:r>
+              <a:rPr lang="en-US" altLang="zh-CN"/>
+              <a:t>EAX</a:t>
+            </a:r>
+            <a:endParaRPr lang="zh-CN" altLang="en-US"/>
+          </a:p>
+        </p:txBody>
+      </p:sp>
+      <p:sp>
+        <p:nvSpPr>
+          <p:cNvPr id="4" name="文本框 3">
+            <a:extLst>
+              <a:ext uri="{FF2B5EF4-FFF2-40B4-BE49-F238E27FC236}">
+                <a16:creationId xmlns:a16="http://schemas.microsoft.com/office/drawing/2014/main" id="{F9B28BF9-4804-45CF-9B4D-389AACBAF6E4}"/>
+              </a:ext>
+            </a:extLst>
+          </p:cNvPr>
+          <p:cNvSpPr txBox="1"/>
+          <p:nvPr/>
+        </p:nvSpPr>
+        <p:spPr>
+          <a:xfrm>
+            <a:off x="4170103" y="2237146"/>
+            <a:ext cx="474397" cy="923330"/>
+          </a:xfrm>
+          <a:prstGeom prst="rect">
+            <a:avLst/>
+          </a:prstGeom>
+          <a:noFill/>
+        </p:spPr>
+        <p:txBody>
+          <a:bodyPr wrap="square" rtlCol="0">
+            <a:spAutoFit/>
+          </a:bodyPr>
+          <a:lstStyle/>
+          <a:p>
+            <a:r>
+              <a:rPr lang="en-US" altLang="zh-CN" sz="5400"/>
+              <a:t>/</a:t>
+            </a:r>
+            <a:endParaRPr lang="zh-CN" altLang="en-US" sz="5400"/>
+          </a:p>
+        </p:txBody>
+      </p:sp>
+      <p:sp>
+        <p:nvSpPr>
+          <p:cNvPr id="38" name="矩形 37">
+            <a:extLst>
+              <a:ext uri="{FF2B5EF4-FFF2-40B4-BE49-F238E27FC236}">
+                <a16:creationId xmlns:a16="http://schemas.microsoft.com/office/drawing/2014/main" id="{D373893E-884B-4260-9F8E-5793210A8AD2}"/>
+              </a:ext>
+            </a:extLst>
+          </p:cNvPr>
+          <p:cNvSpPr/>
+          <p:nvPr/>
+        </p:nvSpPr>
+        <p:spPr>
+          <a:xfrm>
+            <a:off x="4935800" y="2343704"/>
+            <a:ext cx="770882" cy="639193"/>
+          </a:xfrm>
+          <a:prstGeom prst="rect">
+            <a:avLst/>
+          </a:prstGeom>
+        </p:spPr>
+        <p:style>
+          <a:lnRef idx="2">
+            <a:schemeClr val="accent6">
+              <a:shade val="50000"/>
+            </a:schemeClr>
+          </a:lnRef>
+          <a:fillRef idx="1">
+            <a:schemeClr val="accent6"/>
+          </a:fillRef>
+          <a:effectRef idx="0">
+            <a:schemeClr val="accent6"/>
+          </a:effectRef>
+          <a:fontRef idx="minor">
+            <a:schemeClr val="lt1"/>
+          </a:fontRef>
+        </p:style>
+        <p:txBody>
+          <a:bodyPr rtlCol="0" anchor="ctr"/>
+          <a:lstStyle/>
+          <a:p>
+            <a:pPr algn="ctr"/>
+            <a:r>
+              <a:rPr lang="en-US" altLang="zh-CN"/>
+              <a:t>S</a:t>
+            </a:r>
+            <a:endParaRPr lang="zh-CN" altLang="en-US"/>
+          </a:p>
+        </p:txBody>
+      </p:sp>
+      <p:sp>
+        <p:nvSpPr>
+          <p:cNvPr id="39" name="矩形 38">
+            <a:extLst>
+              <a:ext uri="{FF2B5EF4-FFF2-40B4-BE49-F238E27FC236}">
+                <a16:creationId xmlns:a16="http://schemas.microsoft.com/office/drawing/2014/main" id="{3058CC00-6FB3-4432-B41A-4CFB03C988CC}"/>
+              </a:ext>
+            </a:extLst>
+          </p:cNvPr>
+          <p:cNvSpPr/>
+          <p:nvPr/>
+        </p:nvSpPr>
+        <p:spPr>
+          <a:xfrm>
+            <a:off x="6702820" y="2343703"/>
+            <a:ext cx="1518082" cy="639193"/>
+          </a:xfrm>
+          <a:prstGeom prst="rect">
+            <a:avLst/>
+          </a:prstGeom>
+        </p:spPr>
+        <p:style>
+          <a:lnRef idx="2">
+            <a:schemeClr val="accent6">
+              <a:shade val="50000"/>
+            </a:schemeClr>
+          </a:lnRef>
+          <a:fillRef idx="1">
+            <a:schemeClr val="accent6"/>
+          </a:fillRef>
+          <a:effectRef idx="0">
+            <a:schemeClr val="accent6"/>
+          </a:effectRef>
+          <a:fontRef idx="minor">
+            <a:schemeClr val="lt1"/>
+          </a:fontRef>
+        </p:style>
+        <p:txBody>
+          <a:bodyPr rtlCol="0" anchor="ctr"/>
+          <a:lstStyle/>
+          <a:p>
+            <a:pPr algn="ctr"/>
+            <a:r>
+              <a:rPr lang="en-US" altLang="zh-CN"/>
+              <a:t>EAX</a:t>
+            </a:r>
+            <a:endParaRPr lang="zh-CN" altLang="en-US"/>
+          </a:p>
+        </p:txBody>
+      </p:sp>
+      <p:sp>
+        <p:nvSpPr>
+          <p:cNvPr id="41" name="矩形 40">
+            <a:extLst>
+              <a:ext uri="{FF2B5EF4-FFF2-40B4-BE49-F238E27FC236}">
+                <a16:creationId xmlns:a16="http://schemas.microsoft.com/office/drawing/2014/main" id="{CCAB9231-BD77-4A56-90F3-001F44BE535A}"/>
+              </a:ext>
+            </a:extLst>
+          </p:cNvPr>
+          <p:cNvSpPr/>
+          <p:nvPr/>
+        </p:nvSpPr>
+        <p:spPr>
+          <a:xfrm>
+            <a:off x="8532920" y="2343702"/>
+            <a:ext cx="1518082" cy="639193"/>
+          </a:xfrm>
+          <a:prstGeom prst="rect">
+            <a:avLst/>
+          </a:prstGeom>
+        </p:spPr>
+        <p:style>
+          <a:lnRef idx="2">
+            <a:schemeClr val="accent6">
+              <a:shade val="50000"/>
+            </a:schemeClr>
+          </a:lnRef>
+          <a:fillRef idx="1">
+            <a:schemeClr val="accent6"/>
+          </a:fillRef>
+          <a:effectRef idx="0">
+            <a:schemeClr val="accent6"/>
+          </a:effectRef>
+          <a:fontRef idx="minor">
+            <a:schemeClr val="lt1"/>
+          </a:fontRef>
+        </p:style>
+        <p:txBody>
+          <a:bodyPr rtlCol="0" anchor="ctr"/>
+          <a:lstStyle/>
+          <a:p>
+            <a:pPr algn="ctr"/>
+            <a:r>
+              <a:rPr lang="en-US" altLang="zh-CN"/>
+              <a:t>EDX</a:t>
+            </a:r>
+            <a:endParaRPr lang="zh-CN" altLang="en-US"/>
+          </a:p>
+        </p:txBody>
+      </p:sp>
+      <p:sp>
+        <p:nvSpPr>
+          <p:cNvPr id="6" name="文本框 5">
+            <a:extLst>
+              <a:ext uri="{FF2B5EF4-FFF2-40B4-BE49-F238E27FC236}">
+                <a16:creationId xmlns:a16="http://schemas.microsoft.com/office/drawing/2014/main" id="{62D5B74F-B2EA-4F3E-A775-FB4BFC8E774D}"/>
+              </a:ext>
+            </a:extLst>
+          </p:cNvPr>
+          <p:cNvSpPr txBox="1"/>
+          <p:nvPr/>
+        </p:nvSpPr>
+        <p:spPr>
+          <a:xfrm>
+            <a:off x="7261933" y="3311371"/>
+            <a:ext cx="415498" cy="369332"/>
+          </a:xfrm>
+          <a:prstGeom prst="rect">
+            <a:avLst/>
+          </a:prstGeom>
+          <a:noFill/>
+        </p:spPr>
+        <p:txBody>
+          <a:bodyPr wrap="none" rtlCol="0">
+            <a:spAutoFit/>
+          </a:bodyPr>
+          <a:lstStyle/>
+          <a:p>
+            <a:r>
+              <a:rPr lang="zh-CN" altLang="en-US"/>
+              <a:t>商</a:t>
+            </a:r>
+          </a:p>
+        </p:txBody>
+      </p:sp>
+      <p:sp>
+        <p:nvSpPr>
+          <p:cNvPr id="43" name="文本框 42">
+            <a:extLst>
+              <a:ext uri="{FF2B5EF4-FFF2-40B4-BE49-F238E27FC236}">
+                <a16:creationId xmlns:a16="http://schemas.microsoft.com/office/drawing/2014/main" id="{D2BD333E-1A24-4DC8-AD74-F6D92B466241}"/>
+              </a:ext>
+            </a:extLst>
+          </p:cNvPr>
+          <p:cNvSpPr txBox="1"/>
+          <p:nvPr/>
+        </p:nvSpPr>
+        <p:spPr>
+          <a:xfrm>
+            <a:off x="8968795" y="3311371"/>
+            <a:ext cx="646331" cy="369332"/>
+          </a:xfrm>
+          <a:prstGeom prst="rect">
+            <a:avLst/>
+          </a:prstGeom>
+          <a:noFill/>
+        </p:spPr>
+        <p:txBody>
+          <a:bodyPr wrap="none" rtlCol="0">
+            <a:spAutoFit/>
+          </a:bodyPr>
+          <a:lstStyle/>
+          <a:p>
+            <a:r>
+              <a:rPr lang="zh-CN" altLang="en-US"/>
+              <a:t>余数</a:t>
+            </a:r>
+          </a:p>
+        </p:txBody>
+      </p:sp>
+      <p:sp>
+        <p:nvSpPr>
+          <p:cNvPr id="8" name="文本框 7">
+            <a:extLst>
+              <a:ext uri="{FF2B5EF4-FFF2-40B4-BE49-F238E27FC236}">
+                <a16:creationId xmlns:a16="http://schemas.microsoft.com/office/drawing/2014/main" id="{0B5FAA07-E487-4755-BE57-3F99BD4FBDCB}"/>
+              </a:ext>
+            </a:extLst>
+          </p:cNvPr>
+          <p:cNvSpPr txBox="1"/>
+          <p:nvPr/>
+        </p:nvSpPr>
+        <p:spPr>
+          <a:xfrm>
+            <a:off x="4257905" y="843912"/>
+            <a:ext cx="3419526" cy="984885"/>
+          </a:xfrm>
+          <a:prstGeom prst="rect">
+            <a:avLst/>
+          </a:prstGeom>
+          <a:noFill/>
+        </p:spPr>
+        <p:txBody>
+          <a:bodyPr wrap="none" rtlCol="0">
+            <a:spAutoFit/>
+          </a:bodyPr>
+          <a:lstStyle/>
+          <a:p>
+            <a:pPr algn="ctr"/>
+            <a:r>
+              <a:rPr lang="en-US" altLang="zh-CN" sz="4000" b="1" i="0">
+                <a:solidFill>
+                  <a:srgbClr val="666666"/>
+                </a:solidFill>
+                <a:effectLst/>
+                <a:latin typeface="Ubuntu"/>
+              </a:rPr>
+              <a:t>divl S</a:t>
+            </a:r>
+          </a:p>
+          <a:p>
+            <a:r>
+              <a:rPr lang="en-US" altLang="zh-CN" b="0" i="0">
+                <a:solidFill>
+                  <a:srgbClr val="666666"/>
+                </a:solidFill>
+                <a:effectLst/>
+                <a:latin typeface="Ubuntu"/>
+              </a:rPr>
+              <a:t>64</a:t>
+            </a:r>
+            <a:r>
+              <a:rPr lang="zh-CN" altLang="en-US" b="0" i="0">
+                <a:solidFill>
+                  <a:srgbClr val="666666"/>
+                </a:solidFill>
+                <a:effectLst/>
+                <a:latin typeface="Ubuntu"/>
+              </a:rPr>
+              <a:t>位无符号除法，保存余数和商</a:t>
+            </a:r>
+            <a:endParaRPr lang="zh-CN" altLang="en-US"/>
+          </a:p>
+        </p:txBody>
+      </p:sp>
+      <p:sp>
+        <p:nvSpPr>
+          <p:cNvPr id="47" name="文本框 46">
+            <a:extLst>
+              <a:ext uri="{FF2B5EF4-FFF2-40B4-BE49-F238E27FC236}">
+                <a16:creationId xmlns:a16="http://schemas.microsoft.com/office/drawing/2014/main" id="{CCD74525-6E95-4A16-990E-BBD959F3C484}"/>
+              </a:ext>
+            </a:extLst>
+          </p:cNvPr>
+          <p:cNvSpPr txBox="1"/>
+          <p:nvPr/>
+        </p:nvSpPr>
+        <p:spPr>
+          <a:xfrm>
+            <a:off x="577048" y="3496037"/>
+            <a:ext cx="6094520" cy="369332"/>
+          </a:xfrm>
+          <a:prstGeom prst="rect">
+            <a:avLst/>
+          </a:prstGeom>
+          <a:noFill/>
+        </p:spPr>
+        <p:txBody>
+          <a:bodyPr wrap="square">
+            <a:spAutoFit/>
+          </a:bodyPr>
+          <a:lstStyle/>
+          <a:p>
+            <a:r>
+              <a:rPr lang="zh-CN" altLang="en-US" b="0" i="0">
+                <a:solidFill>
+                  <a:srgbClr val="666666"/>
+                </a:solidFill>
+                <a:effectLst/>
+                <a:latin typeface="Ubuntu"/>
+              </a:rPr>
+              <a:t>注：</a:t>
+            </a:r>
+            <a:r>
+              <a:rPr lang="en-US" altLang="zh-CN" b="0" i="0">
+                <a:solidFill>
+                  <a:srgbClr val="666666"/>
+                </a:solidFill>
+                <a:effectLst/>
+                <a:latin typeface="Ubuntu"/>
+              </a:rPr>
+              <a:t>64</a:t>
+            </a:r>
+            <a:r>
+              <a:rPr lang="zh-CN" altLang="en-US" b="0" i="0">
+                <a:solidFill>
+                  <a:srgbClr val="666666"/>
+                </a:solidFill>
+                <a:effectLst/>
+                <a:latin typeface="Ubuntu"/>
+              </a:rPr>
+              <a:t>位数通常存储为，高</a:t>
+            </a:r>
+            <a:r>
+              <a:rPr lang="en-US" altLang="zh-CN" b="0" i="0">
+                <a:solidFill>
+                  <a:srgbClr val="666666"/>
+                </a:solidFill>
+                <a:effectLst/>
+                <a:latin typeface="Ubuntu"/>
+              </a:rPr>
+              <a:t>32</a:t>
+            </a:r>
+            <a:r>
+              <a:rPr lang="zh-CN" altLang="en-US" b="0" i="0">
+                <a:solidFill>
+                  <a:srgbClr val="666666"/>
+                </a:solidFill>
+                <a:effectLst/>
+                <a:latin typeface="Ubuntu"/>
+              </a:rPr>
+              <a:t>位放在</a:t>
+            </a:r>
+            <a:r>
+              <a:rPr lang="en-US" altLang="zh-CN" b="0" i="0">
+                <a:solidFill>
+                  <a:srgbClr val="666666"/>
+                </a:solidFill>
+                <a:effectLst/>
+                <a:latin typeface="Ubuntu"/>
+              </a:rPr>
+              <a:t>edx</a:t>
+            </a:r>
+            <a:r>
+              <a:rPr lang="zh-CN" altLang="en-US" b="0" i="0">
+                <a:solidFill>
+                  <a:srgbClr val="666666"/>
+                </a:solidFill>
+                <a:effectLst/>
+                <a:latin typeface="Ubuntu"/>
+              </a:rPr>
+              <a:t>，低</a:t>
+            </a:r>
+            <a:r>
+              <a:rPr lang="en-US" altLang="zh-CN" b="0" i="0">
+                <a:solidFill>
+                  <a:srgbClr val="666666"/>
+                </a:solidFill>
+                <a:effectLst/>
+                <a:latin typeface="Ubuntu"/>
+              </a:rPr>
+              <a:t>32</a:t>
+            </a:r>
+            <a:r>
+              <a:rPr lang="zh-CN" altLang="en-US" b="0" i="0">
+                <a:solidFill>
+                  <a:srgbClr val="666666"/>
+                </a:solidFill>
+                <a:effectLst/>
+                <a:latin typeface="Ubuntu"/>
+              </a:rPr>
+              <a:t>位放在</a:t>
+            </a:r>
+            <a:r>
+              <a:rPr lang="en-US" altLang="zh-CN" b="0" i="0">
+                <a:solidFill>
+                  <a:srgbClr val="666666"/>
+                </a:solidFill>
+                <a:effectLst/>
+                <a:latin typeface="Ubuntu"/>
+              </a:rPr>
+              <a:t>eax</a:t>
+            </a:r>
+            <a:endParaRPr lang="zh-CN" altLang="en-US"/>
+          </a:p>
+        </p:txBody>
+      </p:sp>
+      <p:sp>
+        <p:nvSpPr>
+          <p:cNvPr id="49" name="文本框 48">
+            <a:extLst>
+              <a:ext uri="{FF2B5EF4-FFF2-40B4-BE49-F238E27FC236}">
+                <a16:creationId xmlns:a16="http://schemas.microsoft.com/office/drawing/2014/main" id="{15CB9D0B-B6F5-48C1-9AAB-0F6537D2B3B0}"/>
+              </a:ext>
+            </a:extLst>
+          </p:cNvPr>
+          <p:cNvSpPr txBox="1"/>
+          <p:nvPr/>
+        </p:nvSpPr>
+        <p:spPr>
+          <a:xfrm>
+            <a:off x="577048" y="3865369"/>
+            <a:ext cx="9038078" cy="1754326"/>
+          </a:xfrm>
+          <a:prstGeom prst="rect">
+            <a:avLst/>
+          </a:prstGeom>
+          <a:noFill/>
+        </p:spPr>
+        <p:txBody>
+          <a:bodyPr wrap="square">
+            <a:spAutoFit/>
+          </a:bodyPr>
+          <a:lstStyle/>
+          <a:p>
+            <a:pPr algn="l"/>
+            <a:r>
+              <a:rPr lang="zh-CN" altLang="en-US" b="1" i="0">
+                <a:solidFill>
+                  <a:srgbClr val="666666"/>
+                </a:solidFill>
+                <a:effectLst/>
+                <a:latin typeface="Ubuntu"/>
+              </a:rPr>
+              <a:t>条件码：</a:t>
+            </a:r>
+            <a:endParaRPr lang="zh-CN" altLang="en-US" b="0" i="0">
+              <a:solidFill>
+                <a:srgbClr val="666666"/>
+              </a:solidFill>
+              <a:effectLst/>
+              <a:latin typeface="Ubuntu"/>
+            </a:endParaRPr>
+          </a:p>
+          <a:p>
+            <a:pPr algn="l"/>
+            <a:r>
+              <a:rPr lang="zh-CN" altLang="en-US" b="0" i="0">
+                <a:solidFill>
+                  <a:srgbClr val="666666"/>
+                </a:solidFill>
+                <a:effectLst/>
+                <a:latin typeface="Ubuntu"/>
+              </a:rPr>
+              <a:t>条件码寄存器描述了最近的算数或逻辑操作的属性。</a:t>
+            </a:r>
+          </a:p>
+          <a:p>
+            <a:pPr algn="l"/>
+            <a:r>
+              <a:rPr lang="en-US" altLang="zh-CN" b="0" i="0">
+                <a:solidFill>
+                  <a:srgbClr val="666666"/>
+                </a:solidFill>
+                <a:effectLst/>
+                <a:latin typeface="Ubuntu"/>
+              </a:rPr>
+              <a:t>CF</a:t>
+            </a:r>
+            <a:r>
+              <a:rPr lang="zh-CN" altLang="en-US" b="0" i="0">
+                <a:solidFill>
+                  <a:srgbClr val="666666"/>
+                </a:solidFill>
+                <a:effectLst/>
+                <a:latin typeface="Ubuntu"/>
+              </a:rPr>
+              <a:t>：进位标志，最高位产生了进位，可用于检查无符号数溢出。</a:t>
+            </a:r>
+          </a:p>
+          <a:p>
+            <a:pPr algn="l"/>
+            <a:r>
+              <a:rPr lang="en-US" altLang="zh-CN" b="0" i="0">
+                <a:solidFill>
+                  <a:srgbClr val="666666"/>
+                </a:solidFill>
+                <a:effectLst/>
+                <a:latin typeface="Ubuntu"/>
+              </a:rPr>
+              <a:t>OF</a:t>
+            </a:r>
+            <a:r>
+              <a:rPr lang="zh-CN" altLang="en-US" b="0" i="0">
+                <a:solidFill>
+                  <a:srgbClr val="666666"/>
+                </a:solidFill>
+                <a:effectLst/>
+                <a:latin typeface="Ubuntu"/>
+              </a:rPr>
+              <a:t>：溢出标志，二进制补码溢出</a:t>
+            </a:r>
+            <a:r>
+              <a:rPr lang="en-US" altLang="zh-CN" b="0" i="0">
+                <a:solidFill>
+                  <a:srgbClr val="666666"/>
+                </a:solidFill>
+                <a:effectLst/>
+                <a:latin typeface="Ubuntu"/>
+              </a:rPr>
+              <a:t>——</a:t>
+            </a:r>
+            <a:r>
+              <a:rPr lang="zh-CN" altLang="en-US" b="0" i="0">
+                <a:solidFill>
+                  <a:srgbClr val="666666"/>
+                </a:solidFill>
+                <a:effectLst/>
+                <a:latin typeface="Ubuntu"/>
+              </a:rPr>
+              <a:t>正溢出或负溢出。</a:t>
+            </a:r>
+          </a:p>
+          <a:p>
+            <a:pPr algn="l"/>
+            <a:r>
+              <a:rPr lang="en-US" altLang="zh-CN" b="0" i="0">
+                <a:solidFill>
+                  <a:srgbClr val="666666"/>
+                </a:solidFill>
+                <a:effectLst/>
+                <a:latin typeface="Ubuntu"/>
+              </a:rPr>
+              <a:t>ZF</a:t>
+            </a:r>
+            <a:r>
+              <a:rPr lang="zh-CN" altLang="en-US" b="0" i="0">
+                <a:solidFill>
+                  <a:srgbClr val="666666"/>
+                </a:solidFill>
+                <a:effectLst/>
+                <a:latin typeface="Ubuntu"/>
+              </a:rPr>
+              <a:t>：零标志，结果为</a:t>
+            </a:r>
+            <a:r>
+              <a:rPr lang="en-US" altLang="zh-CN" b="0" i="0">
+                <a:solidFill>
+                  <a:srgbClr val="666666"/>
+                </a:solidFill>
+                <a:effectLst/>
+                <a:latin typeface="Ubuntu"/>
+              </a:rPr>
+              <a:t>0</a:t>
+            </a:r>
+            <a:r>
+              <a:rPr lang="zh-CN" altLang="en-US" b="0" i="0">
+                <a:solidFill>
+                  <a:srgbClr val="666666"/>
+                </a:solidFill>
+                <a:effectLst/>
+                <a:latin typeface="Ubuntu"/>
+              </a:rPr>
+              <a:t>。</a:t>
+            </a:r>
+          </a:p>
+          <a:p>
+            <a:pPr algn="l"/>
+            <a:r>
+              <a:rPr lang="en-US" altLang="zh-CN" b="0" i="0">
+                <a:solidFill>
+                  <a:srgbClr val="666666"/>
+                </a:solidFill>
+                <a:effectLst/>
+                <a:latin typeface="Ubuntu"/>
+              </a:rPr>
+              <a:t>SF</a:t>
+            </a:r>
+            <a:r>
+              <a:rPr lang="zh-CN" altLang="en-US" b="0" i="0">
+                <a:solidFill>
+                  <a:srgbClr val="666666"/>
+                </a:solidFill>
+                <a:effectLst/>
+                <a:latin typeface="Ubuntu"/>
+              </a:rPr>
+              <a:t>：符号标志，操作结果为负。</a:t>
+            </a:r>
+          </a:p>
+        </p:txBody>
+      </p:sp>
+    </p:spTree>
+    <p:extLst>
+      <p:ext uri="{BB962C8B-B14F-4D97-AF65-F5344CB8AC3E}">
+        <p14:creationId xmlns:p14="http://schemas.microsoft.com/office/powerpoint/2010/main" val="4199569193"/>
       </p:ext>
     </p:extLst>
   </p:cSld>
